--- a/Finishing School.pptx
+++ b/Finishing School.pptx
@@ -63,6 +63,12 @@
     <p:sldId id="311" r:id="rId57"/>
     <p:sldId id="312" r:id="rId58"/>
     <p:sldId id="313" r:id="rId59"/>
+    <p:sldId id="314" r:id="rId60"/>
+    <p:sldId id="315" r:id="rId61"/>
+    <p:sldId id="316" r:id="rId62"/>
+    <p:sldId id="318" r:id="rId63"/>
+    <p:sldId id="317" r:id="rId64"/>
+    <p:sldId id="319" r:id="rId65"/>
   </p:sldIdLst>
   <p:sldSz cx="12192000" cy="6858000"/>
   <p:notesSz cx="6858000" cy="9144000"/>
@@ -316,7 +322,7 @@
           <a:p>
             <a:fld id="{01BA93E5-CB67-46C9-BF51-34D2B5C6AB3D}" type="datetimeFigureOut">
               <a:rPr lang="en-US" smtClean="0"/>
-              <a:t>6/2/2020</a:t>
+              <a:t>6/3/2020</a:t>
             </a:fld>
             <a:endParaRPr lang="en-US"/>
           </a:p>
@@ -514,7 +520,7 @@
           <a:p>
             <a:fld id="{01BA93E5-CB67-46C9-BF51-34D2B5C6AB3D}" type="datetimeFigureOut">
               <a:rPr lang="en-US" smtClean="0"/>
-              <a:t>6/2/2020</a:t>
+              <a:t>6/3/2020</a:t>
             </a:fld>
             <a:endParaRPr lang="en-US"/>
           </a:p>
@@ -722,7 +728,7 @@
           <a:p>
             <a:fld id="{01BA93E5-CB67-46C9-BF51-34D2B5C6AB3D}" type="datetimeFigureOut">
               <a:rPr lang="en-US" smtClean="0"/>
-              <a:t>6/2/2020</a:t>
+              <a:t>6/3/2020</a:t>
             </a:fld>
             <a:endParaRPr lang="en-US"/>
           </a:p>
@@ -920,7 +926,7 @@
           <a:p>
             <a:fld id="{01BA93E5-CB67-46C9-BF51-34D2B5C6AB3D}" type="datetimeFigureOut">
               <a:rPr lang="en-US" smtClean="0"/>
-              <a:t>6/2/2020</a:t>
+              <a:t>6/3/2020</a:t>
             </a:fld>
             <a:endParaRPr lang="en-US"/>
           </a:p>
@@ -1195,7 +1201,7 @@
           <a:p>
             <a:fld id="{01BA93E5-CB67-46C9-BF51-34D2B5C6AB3D}" type="datetimeFigureOut">
               <a:rPr lang="en-US" smtClean="0"/>
-              <a:t>6/2/2020</a:t>
+              <a:t>6/3/2020</a:t>
             </a:fld>
             <a:endParaRPr lang="en-US"/>
           </a:p>
@@ -1460,7 +1466,7 @@
           <a:p>
             <a:fld id="{01BA93E5-CB67-46C9-BF51-34D2B5C6AB3D}" type="datetimeFigureOut">
               <a:rPr lang="en-US" smtClean="0"/>
-              <a:t>6/2/2020</a:t>
+              <a:t>6/3/2020</a:t>
             </a:fld>
             <a:endParaRPr lang="en-US"/>
           </a:p>
@@ -1872,7 +1878,7 @@
           <a:p>
             <a:fld id="{01BA93E5-CB67-46C9-BF51-34D2B5C6AB3D}" type="datetimeFigureOut">
               <a:rPr lang="en-US" smtClean="0"/>
-              <a:t>6/2/2020</a:t>
+              <a:t>6/3/2020</a:t>
             </a:fld>
             <a:endParaRPr lang="en-US"/>
           </a:p>
@@ -2013,7 +2019,7 @@
           <a:p>
             <a:fld id="{01BA93E5-CB67-46C9-BF51-34D2B5C6AB3D}" type="datetimeFigureOut">
               <a:rPr lang="en-US" smtClean="0"/>
-              <a:t>6/2/2020</a:t>
+              <a:t>6/3/2020</a:t>
             </a:fld>
             <a:endParaRPr lang="en-US"/>
           </a:p>
@@ -2126,7 +2132,7 @@
           <a:p>
             <a:fld id="{01BA93E5-CB67-46C9-BF51-34D2B5C6AB3D}" type="datetimeFigureOut">
               <a:rPr lang="en-US" smtClean="0"/>
-              <a:t>6/2/2020</a:t>
+              <a:t>6/3/2020</a:t>
             </a:fld>
             <a:endParaRPr lang="en-US"/>
           </a:p>
@@ -2437,7 +2443,7 @@
           <a:p>
             <a:fld id="{01BA93E5-CB67-46C9-BF51-34D2B5C6AB3D}" type="datetimeFigureOut">
               <a:rPr lang="en-US" smtClean="0"/>
-              <a:t>6/2/2020</a:t>
+              <a:t>6/3/2020</a:t>
             </a:fld>
             <a:endParaRPr lang="en-US"/>
           </a:p>
@@ -2725,7 +2731,7 @@
           <a:p>
             <a:fld id="{01BA93E5-CB67-46C9-BF51-34D2B5C6AB3D}" type="datetimeFigureOut">
               <a:rPr lang="en-US" smtClean="0"/>
-              <a:t>6/2/2020</a:t>
+              <a:t>6/3/2020</a:t>
             </a:fld>
             <a:endParaRPr lang="en-US"/>
           </a:p>
@@ -2966,7 +2972,7 @@
           <a:p>
             <a:fld id="{01BA93E5-CB67-46C9-BF51-34D2B5C6AB3D}" type="datetimeFigureOut">
               <a:rPr lang="en-US" smtClean="0"/>
-              <a:t>6/2/2020</a:t>
+              <a:t>6/3/2020</a:t>
             </a:fld>
             <a:endParaRPr lang="en-US"/>
           </a:p>
@@ -3432,7 +3438,7 @@
           <a:bodyPr/>
           <a:lstStyle/>
           <a:p>
-            <a:endParaRPr lang="en-US"/>
+            <a:endParaRPr lang="en-US" dirty="0"/>
           </a:p>
         </p:txBody>
       </p:sp>
@@ -21793,6 +21799,198 @@
 </p:sld>
 </file>
 
+<file path=ppt/slides/slide59.xml><?xml version="1.0" encoding="utf-8"?>
+<p:sld xmlns:a="http://schemas.openxmlformats.org/drawingml/2006/main" xmlns:r="http://schemas.openxmlformats.org/officeDocument/2006/relationships" xmlns:p="http://schemas.openxmlformats.org/presentationml/2006/main">
+  <p:cSld>
+    <p:spTree>
+      <p:nvGrpSpPr>
+        <p:cNvPr id="1" name=""/>
+        <p:cNvGrpSpPr/>
+        <p:nvPr/>
+      </p:nvGrpSpPr>
+      <p:grpSpPr>
+        <a:xfrm>
+          <a:off x="0" y="0"/>
+          <a:ext cx="0" cy="0"/>
+          <a:chOff x="0" y="0"/>
+          <a:chExt cx="0" cy="0"/>
+        </a:xfrm>
+      </p:grpSpPr>
+      <p:sp>
+        <p:nvSpPr>
+          <p:cNvPr id="2" name="Title 1">
+            <a:extLst>
+              <a:ext uri="{FF2B5EF4-FFF2-40B4-BE49-F238E27FC236}">
+                <a16:creationId xmlns:a16="http://schemas.microsoft.com/office/drawing/2014/main" id="{5DECF9B7-BAB2-4D46-ABC6-61BD86E02D02}"/>
+              </a:ext>
+            </a:extLst>
+          </p:cNvPr>
+          <p:cNvSpPr>
+            <a:spLocks noGrp="1"/>
+          </p:cNvSpPr>
+          <p:nvPr>
+            <p:ph type="title"/>
+          </p:nvPr>
+        </p:nvSpPr>
+        <p:spPr/>
+        <p:txBody>
+          <a:bodyPr/>
+          <a:lstStyle/>
+          <a:p>
+            <a:r>
+              <a:rPr lang="en-US" dirty="0"/>
+              <a:t>Validations in Spring</a:t>
+            </a:r>
+          </a:p>
+        </p:txBody>
+      </p:sp>
+      <p:sp>
+        <p:nvSpPr>
+          <p:cNvPr id="3" name="Content Placeholder 2">
+            <a:extLst>
+              <a:ext uri="{FF2B5EF4-FFF2-40B4-BE49-F238E27FC236}">
+                <a16:creationId xmlns:a16="http://schemas.microsoft.com/office/drawing/2014/main" id="{3A2439EA-451E-4B7E-B096-F683FACF9032}"/>
+              </a:ext>
+            </a:extLst>
+          </p:cNvPr>
+          <p:cNvSpPr>
+            <a:spLocks noGrp="1"/>
+          </p:cNvSpPr>
+          <p:nvPr>
+            <p:ph idx="1"/>
+          </p:nvPr>
+        </p:nvSpPr>
+        <p:spPr/>
+        <p:txBody>
+          <a:bodyPr>
+            <a:normAutofit fontScale="85000" lnSpcReduction="20000"/>
+          </a:bodyPr>
+          <a:lstStyle/>
+          <a:p>
+            <a:r>
+              <a:rPr lang="en-US" dirty="0"/>
+              <a:t>JavaScript</a:t>
+            </a:r>
+          </a:p>
+          <a:p>
+            <a:r>
+              <a:rPr lang="en-US" dirty="0"/>
+              <a:t>AJAX</a:t>
+            </a:r>
+          </a:p>
+          <a:p>
+            <a:r>
+              <a:rPr lang="en-US" dirty="0"/>
+              <a:t>Container Validation</a:t>
+            </a:r>
+          </a:p>
+          <a:p>
+            <a:pPr lvl="1"/>
+            <a:r>
+              <a:rPr lang="en-US" dirty="0"/>
+              <a:t>Hibernate-validator</a:t>
+            </a:r>
+          </a:p>
+          <a:p>
+            <a:pPr lvl="1"/>
+            <a:r>
+              <a:rPr lang="en-US" dirty="0" err="1"/>
+              <a:t>Javax</a:t>
+            </a:r>
+            <a:r>
+              <a:rPr lang="en-US" dirty="0"/>
+              <a:t>-validator</a:t>
+            </a:r>
+          </a:p>
+          <a:p>
+            <a:pPr lvl="1"/>
+            <a:endParaRPr lang="en-US" dirty="0"/>
+          </a:p>
+          <a:p>
+            <a:pPr lvl="1"/>
+            <a:r>
+              <a:rPr lang="en-US" dirty="0"/>
+              <a:t>@</a:t>
+            </a:r>
+            <a:r>
+              <a:rPr lang="en-US" dirty="0" err="1"/>
+              <a:t>NotEmpty</a:t>
+            </a:r>
+            <a:endParaRPr lang="en-US" dirty="0"/>
+          </a:p>
+          <a:p>
+            <a:pPr lvl="1"/>
+            <a:r>
+              <a:rPr lang="en-US" dirty="0"/>
+              <a:t>@</a:t>
+            </a:r>
+            <a:r>
+              <a:rPr lang="en-US" dirty="0" err="1"/>
+              <a:t>NotNull</a:t>
+            </a:r>
+            <a:endParaRPr lang="en-US" dirty="0"/>
+          </a:p>
+          <a:p>
+            <a:pPr lvl="1"/>
+            <a:r>
+              <a:rPr lang="en-US" dirty="0"/>
+              <a:t>@Length</a:t>
+            </a:r>
+          </a:p>
+          <a:p>
+            <a:pPr lvl="1"/>
+            <a:r>
+              <a:rPr lang="en-US" dirty="0"/>
+              <a:t>@Min</a:t>
+            </a:r>
+          </a:p>
+          <a:p>
+            <a:pPr lvl="1"/>
+            <a:r>
+              <a:rPr lang="en-US" dirty="0"/>
+              <a:t>@Max</a:t>
+            </a:r>
+          </a:p>
+          <a:p>
+            <a:pPr lvl="1"/>
+            <a:r>
+              <a:rPr lang="en-US" dirty="0"/>
+              <a:t>@Email</a:t>
+            </a:r>
+          </a:p>
+          <a:p>
+            <a:pPr lvl="1"/>
+            <a:r>
+              <a:rPr lang="en-US" dirty="0"/>
+              <a:t>@Past</a:t>
+            </a:r>
+          </a:p>
+          <a:p>
+            <a:pPr lvl="1"/>
+            <a:r>
+              <a:rPr lang="en-US" dirty="0"/>
+              <a:t>@Future</a:t>
+            </a:r>
+          </a:p>
+          <a:p>
+            <a:pPr lvl="1"/>
+            <a:endParaRPr lang="en-US" dirty="0"/>
+          </a:p>
+        </p:txBody>
+      </p:sp>
+    </p:spTree>
+    <p:extLst>
+      <p:ext uri="{BB962C8B-B14F-4D97-AF65-F5344CB8AC3E}">
+        <p14:creationId xmlns:p14="http://schemas.microsoft.com/office/powerpoint/2010/main" val="1627087271"/>
+      </p:ext>
+    </p:extLst>
+  </p:cSld>
+  <p:clrMapOvr>
+    <a:masterClrMapping/>
+  </p:clrMapOvr>
+</p:sld>
+</file>
+
 <file path=ppt/slides/slide6.xml><?xml version="1.0" encoding="utf-8"?>
 <p:sld xmlns:a="http://schemas.openxmlformats.org/drawingml/2006/main" xmlns:r="http://schemas.openxmlformats.org/officeDocument/2006/relationships" xmlns:p="http://schemas.openxmlformats.org/presentationml/2006/main">
   <p:cSld>
@@ -22152,6 +22350,2278 @@
     <p:extLst>
       <p:ext uri="{BB962C8B-B14F-4D97-AF65-F5344CB8AC3E}">
         <p14:creationId xmlns:p14="http://schemas.microsoft.com/office/powerpoint/2010/main" val="3134510223"/>
+      </p:ext>
+    </p:extLst>
+  </p:cSld>
+  <p:clrMapOvr>
+    <a:masterClrMapping/>
+  </p:clrMapOvr>
+</p:sld>
+</file>
+
+<file path=ppt/slides/slide60.xml><?xml version="1.0" encoding="utf-8"?>
+<p:sld xmlns:a="http://schemas.openxmlformats.org/drawingml/2006/main" xmlns:r="http://schemas.openxmlformats.org/officeDocument/2006/relationships" xmlns:p="http://schemas.openxmlformats.org/presentationml/2006/main">
+  <p:cSld>
+    <p:spTree>
+      <p:nvGrpSpPr>
+        <p:cNvPr id="1" name=""/>
+        <p:cNvGrpSpPr/>
+        <p:nvPr/>
+      </p:nvGrpSpPr>
+      <p:grpSpPr>
+        <a:xfrm>
+          <a:off x="0" y="0"/>
+          <a:ext cx="0" cy="0"/>
+          <a:chOff x="0" y="0"/>
+          <a:chExt cx="0" cy="0"/>
+        </a:xfrm>
+      </p:grpSpPr>
+      <p:sp>
+        <p:nvSpPr>
+          <p:cNvPr id="2" name="Title 1">
+            <a:extLst>
+              <a:ext uri="{FF2B5EF4-FFF2-40B4-BE49-F238E27FC236}">
+                <a16:creationId xmlns:a16="http://schemas.microsoft.com/office/drawing/2014/main" id="{CAD08055-9B06-4150-9929-7FBA9E190E41}"/>
+              </a:ext>
+            </a:extLst>
+          </p:cNvPr>
+          <p:cNvSpPr>
+            <a:spLocks noGrp="1"/>
+          </p:cNvSpPr>
+          <p:nvPr>
+            <p:ph type="title"/>
+          </p:nvPr>
+        </p:nvSpPr>
+        <p:spPr/>
+        <p:txBody>
+          <a:bodyPr/>
+          <a:lstStyle/>
+          <a:p>
+            <a:r>
+              <a:rPr lang="en-US" dirty="0"/>
+              <a:t>Custom Validator</a:t>
+            </a:r>
+          </a:p>
+        </p:txBody>
+      </p:sp>
+      <p:sp>
+        <p:nvSpPr>
+          <p:cNvPr id="3" name="Content Placeholder 2">
+            <a:extLst>
+              <a:ext uri="{FF2B5EF4-FFF2-40B4-BE49-F238E27FC236}">
+                <a16:creationId xmlns:a16="http://schemas.microsoft.com/office/drawing/2014/main" id="{274E5FA8-D3D6-4D1E-85C9-FB97E8D573E1}"/>
+              </a:ext>
+            </a:extLst>
+          </p:cNvPr>
+          <p:cNvSpPr>
+            <a:spLocks noGrp="1"/>
+          </p:cNvSpPr>
+          <p:nvPr>
+            <p:ph idx="1"/>
+          </p:nvPr>
+        </p:nvSpPr>
+        <p:spPr/>
+        <p:txBody>
+          <a:bodyPr>
+            <a:normAutofit lnSpcReduction="10000"/>
+          </a:bodyPr>
+          <a:lstStyle/>
+          <a:p>
+            <a:r>
+              <a:rPr lang="en-US" dirty="0"/>
+              <a:t>Create Annotation</a:t>
+            </a:r>
+          </a:p>
+          <a:p>
+            <a:pPr lvl="2"/>
+            <a:r>
+              <a:rPr lang="en-US" b="1" dirty="0"/>
+              <a:t>@</a:t>
+            </a:r>
+            <a:r>
+              <a:rPr lang="en-US" b="1" dirty="0" err="1"/>
+              <a:t>RententionPolicy</a:t>
+            </a:r>
+            <a:endParaRPr lang="en-US" b="1" dirty="0"/>
+          </a:p>
+          <a:p>
+            <a:pPr lvl="2"/>
+            <a:r>
+              <a:rPr lang="en-US" b="1" dirty="0"/>
+              <a:t>@Constraint(</a:t>
+            </a:r>
+            <a:r>
+              <a:rPr lang="en-US" b="1" dirty="0" err="1"/>
+              <a:t>CheckValidPassword.class</a:t>
+            </a:r>
+            <a:r>
+              <a:rPr lang="en-US" b="1" dirty="0"/>
+              <a:t>)</a:t>
+            </a:r>
+          </a:p>
+          <a:p>
+            <a:pPr lvl="2"/>
+            <a:r>
+              <a:rPr lang="en-US" b="1" dirty="0"/>
+              <a:t>@Documented</a:t>
+            </a:r>
+          </a:p>
+          <a:p>
+            <a:pPr lvl="2"/>
+            <a:r>
+              <a:rPr lang="en-US" b="1" dirty="0"/>
+              <a:t>@Target ( Field/Method/Class)</a:t>
+            </a:r>
+          </a:p>
+          <a:p>
+            <a:pPr lvl="1"/>
+            <a:r>
+              <a:rPr lang="en-US" dirty="0"/>
+              <a:t>public @interface </a:t>
+            </a:r>
+            <a:r>
+              <a:rPr lang="en-US" b="1" dirty="0" err="1"/>
+              <a:t>ValidPassword</a:t>
+            </a:r>
+            <a:endParaRPr lang="en-US" b="1" dirty="0"/>
+          </a:p>
+          <a:p>
+            <a:pPr lvl="1"/>
+            <a:endParaRPr lang="en-US" b="1" dirty="0"/>
+          </a:p>
+          <a:p>
+            <a:r>
+              <a:rPr lang="en-US" b="1" dirty="0" err="1"/>
+              <a:t>CheckValidPassword</a:t>
+            </a:r>
+            <a:r>
+              <a:rPr lang="en-US" b="1" dirty="0"/>
+              <a:t> implements </a:t>
+            </a:r>
+            <a:r>
+              <a:rPr lang="en-US" b="1" dirty="0" err="1"/>
+              <a:t>ConstraintValidator</a:t>
+            </a:r>
+            <a:r>
+              <a:rPr lang="en-US" b="1" dirty="0"/>
+              <a:t>&lt;</a:t>
+            </a:r>
+            <a:r>
+              <a:rPr lang="en-US" b="1" dirty="0" err="1"/>
+              <a:t>ValidPassword</a:t>
+            </a:r>
+            <a:r>
+              <a:rPr lang="en-US" b="1" dirty="0"/>
+              <a:t>, String&gt;</a:t>
+            </a:r>
+          </a:p>
+          <a:p>
+            <a:pPr marL="457200" lvl="1" indent="0">
+              <a:buNone/>
+            </a:pPr>
+            <a:r>
+              <a:rPr lang="en-US" b="1" dirty="0"/>
+              <a:t>{</a:t>
+            </a:r>
+          </a:p>
+          <a:p>
+            <a:pPr marL="457200" lvl="1" indent="0">
+              <a:buNone/>
+            </a:pPr>
+            <a:r>
+              <a:rPr lang="en-US" b="1" dirty="0"/>
+              <a:t>	Boolean </a:t>
+            </a:r>
+            <a:r>
+              <a:rPr lang="en-US" b="1" dirty="0" err="1"/>
+              <a:t>isValid</a:t>
+            </a:r>
+            <a:r>
+              <a:rPr lang="en-US" b="1" dirty="0"/>
+              <a:t>(String s, Context event){…………..}</a:t>
+            </a:r>
+          </a:p>
+          <a:p>
+            <a:pPr marL="457200" lvl="1" indent="0">
+              <a:buNone/>
+            </a:pPr>
+            <a:r>
+              <a:rPr lang="en-US" b="1" dirty="0"/>
+              <a:t>}</a:t>
+            </a:r>
+          </a:p>
+        </p:txBody>
+      </p:sp>
+    </p:spTree>
+    <p:extLst>
+      <p:ext uri="{BB962C8B-B14F-4D97-AF65-F5344CB8AC3E}">
+        <p14:creationId xmlns:p14="http://schemas.microsoft.com/office/powerpoint/2010/main" val="2994543637"/>
+      </p:ext>
+    </p:extLst>
+  </p:cSld>
+  <p:clrMapOvr>
+    <a:masterClrMapping/>
+  </p:clrMapOvr>
+</p:sld>
+</file>
+
+<file path=ppt/slides/slide61.xml><?xml version="1.0" encoding="utf-8"?>
+<p:sld xmlns:a="http://schemas.openxmlformats.org/drawingml/2006/main" xmlns:r="http://schemas.openxmlformats.org/officeDocument/2006/relationships" xmlns:p="http://schemas.openxmlformats.org/presentationml/2006/main">
+  <p:cSld>
+    <p:spTree>
+      <p:nvGrpSpPr>
+        <p:cNvPr id="1" name=""/>
+        <p:cNvGrpSpPr/>
+        <p:nvPr/>
+      </p:nvGrpSpPr>
+      <p:grpSpPr>
+        <a:xfrm>
+          <a:off x="0" y="0"/>
+          <a:ext cx="0" cy="0"/>
+          <a:chOff x="0" y="0"/>
+          <a:chExt cx="0" cy="0"/>
+        </a:xfrm>
+      </p:grpSpPr>
+      <p:sp>
+        <p:nvSpPr>
+          <p:cNvPr id="2" name="Title 1">
+            <a:extLst>
+              <a:ext uri="{FF2B5EF4-FFF2-40B4-BE49-F238E27FC236}">
+                <a16:creationId xmlns:a16="http://schemas.microsoft.com/office/drawing/2014/main" id="{3D02DADC-F721-496F-A84F-8A753C899E52}"/>
+              </a:ext>
+            </a:extLst>
+          </p:cNvPr>
+          <p:cNvSpPr>
+            <a:spLocks noGrp="1"/>
+          </p:cNvSpPr>
+          <p:nvPr>
+            <p:ph type="title"/>
+          </p:nvPr>
+        </p:nvSpPr>
+        <p:spPr/>
+        <p:txBody>
+          <a:bodyPr/>
+          <a:lstStyle/>
+          <a:p>
+            <a:r>
+              <a:rPr lang="en-US" dirty="0"/>
+              <a:t>Rest API</a:t>
+            </a:r>
+          </a:p>
+        </p:txBody>
+      </p:sp>
+      <p:sp>
+        <p:nvSpPr>
+          <p:cNvPr id="3" name="Content Placeholder 2">
+            <a:extLst>
+              <a:ext uri="{FF2B5EF4-FFF2-40B4-BE49-F238E27FC236}">
+                <a16:creationId xmlns:a16="http://schemas.microsoft.com/office/drawing/2014/main" id="{91B56C2E-5BC5-406E-8B15-E3671CD971D9}"/>
+              </a:ext>
+            </a:extLst>
+          </p:cNvPr>
+          <p:cNvSpPr>
+            <a:spLocks noGrp="1"/>
+          </p:cNvSpPr>
+          <p:nvPr>
+            <p:ph idx="1"/>
+          </p:nvPr>
+        </p:nvSpPr>
+        <p:spPr/>
+        <p:txBody>
+          <a:bodyPr/>
+          <a:lstStyle/>
+          <a:p>
+            <a:r>
+              <a:rPr lang="en-US" dirty="0"/>
+              <a:t>Webservices</a:t>
+            </a:r>
+          </a:p>
+          <a:p>
+            <a:pPr lvl="1"/>
+            <a:r>
+              <a:rPr lang="en-US" dirty="0"/>
+              <a:t>Soap </a:t>
+            </a:r>
+            <a:r>
+              <a:rPr lang="en-US" dirty="0">
+                <a:sym typeface="Wingdings" panose="05000000000000000000" pitchFamily="2" charset="2"/>
+              </a:rPr>
+              <a:t> </a:t>
+            </a:r>
+            <a:r>
+              <a:rPr lang="en-US" dirty="0" err="1">
+                <a:sym typeface="Wingdings" panose="05000000000000000000" pitchFamily="2" charset="2"/>
+              </a:rPr>
+              <a:t>wsdl</a:t>
+            </a:r>
+            <a:r>
+              <a:rPr lang="en-US" dirty="0">
+                <a:sym typeface="Wingdings" panose="05000000000000000000" pitchFamily="2" charset="2"/>
+              </a:rPr>
+              <a:t> (xml)</a:t>
+            </a:r>
+            <a:endParaRPr lang="en-US" dirty="0"/>
+          </a:p>
+          <a:p>
+            <a:pPr lvl="1"/>
+            <a:r>
+              <a:rPr lang="en-US" dirty="0"/>
+              <a:t>REST </a:t>
+            </a:r>
+            <a:r>
+              <a:rPr lang="en-US" dirty="0">
+                <a:sym typeface="Wingdings" panose="05000000000000000000" pitchFamily="2" charset="2"/>
+              </a:rPr>
+              <a:t> URL  (xml, json, text, …)</a:t>
+            </a:r>
+          </a:p>
+          <a:p>
+            <a:pPr lvl="2"/>
+            <a:r>
+              <a:rPr lang="en-US" dirty="0">
+                <a:sym typeface="Wingdings" panose="05000000000000000000" pitchFamily="2" charset="2"/>
+              </a:rPr>
+              <a:t>HTTP</a:t>
+            </a:r>
+            <a:endParaRPr lang="en-US" dirty="0"/>
+          </a:p>
+          <a:p>
+            <a:endParaRPr lang="en-US" dirty="0"/>
+          </a:p>
+        </p:txBody>
+      </p:sp>
+    </p:spTree>
+    <p:extLst>
+      <p:ext uri="{BB962C8B-B14F-4D97-AF65-F5344CB8AC3E}">
+        <p14:creationId xmlns:p14="http://schemas.microsoft.com/office/powerpoint/2010/main" val="4138545046"/>
+      </p:ext>
+    </p:extLst>
+  </p:cSld>
+  <p:clrMapOvr>
+    <a:masterClrMapping/>
+  </p:clrMapOvr>
+</p:sld>
+</file>
+
+<file path=ppt/slides/slide62.xml><?xml version="1.0" encoding="utf-8"?>
+<p:sld xmlns:a="http://schemas.openxmlformats.org/drawingml/2006/main" xmlns:r="http://schemas.openxmlformats.org/officeDocument/2006/relationships" xmlns:p="http://schemas.openxmlformats.org/presentationml/2006/main">
+  <p:cSld>
+    <p:spTree>
+      <p:nvGrpSpPr>
+        <p:cNvPr id="1" name=""/>
+        <p:cNvGrpSpPr/>
+        <p:nvPr/>
+      </p:nvGrpSpPr>
+      <p:grpSpPr>
+        <a:xfrm>
+          <a:off x="0" y="0"/>
+          <a:ext cx="0" cy="0"/>
+          <a:chOff x="0" y="0"/>
+          <a:chExt cx="0" cy="0"/>
+        </a:xfrm>
+      </p:grpSpPr>
+      <p:sp>
+        <p:nvSpPr>
+          <p:cNvPr id="2" name="Title 1">
+            <a:extLst>
+              <a:ext uri="{FF2B5EF4-FFF2-40B4-BE49-F238E27FC236}">
+                <a16:creationId xmlns:a16="http://schemas.microsoft.com/office/drawing/2014/main" id="{BA876C41-27BA-4201-87C3-090261F45F55}"/>
+              </a:ext>
+            </a:extLst>
+          </p:cNvPr>
+          <p:cNvSpPr>
+            <a:spLocks noGrp="1"/>
+          </p:cNvSpPr>
+          <p:nvPr>
+            <p:ph type="title"/>
+          </p:nvPr>
+        </p:nvSpPr>
+        <p:spPr>
+          <a:xfrm>
+            <a:off x="838200" y="365126"/>
+            <a:ext cx="10515600" cy="610920"/>
+          </a:xfrm>
+        </p:spPr>
+        <p:txBody>
+          <a:bodyPr>
+            <a:normAutofit fontScale="90000"/>
+          </a:bodyPr>
+          <a:lstStyle/>
+          <a:p>
+            <a:r>
+              <a:rPr lang="en-US" dirty="0"/>
+              <a:t>Spring REST</a:t>
+            </a:r>
+          </a:p>
+        </p:txBody>
+      </p:sp>
+      <p:sp>
+        <p:nvSpPr>
+          <p:cNvPr id="4" name="Rectangle 3">
+            <a:extLst>
+              <a:ext uri="{FF2B5EF4-FFF2-40B4-BE49-F238E27FC236}">
+                <a16:creationId xmlns:a16="http://schemas.microsoft.com/office/drawing/2014/main" id="{81393BD5-F95F-4AAD-9F24-B7CE1E453126}"/>
+              </a:ext>
+            </a:extLst>
+          </p:cNvPr>
+          <p:cNvSpPr/>
+          <p:nvPr/>
+        </p:nvSpPr>
+        <p:spPr>
+          <a:xfrm>
+            <a:off x="195209" y="3133617"/>
+            <a:ext cx="1674688" cy="816795"/>
+          </a:xfrm>
+          <a:prstGeom prst="rect">
+            <a:avLst/>
+          </a:prstGeom>
+        </p:spPr>
+        <p:style>
+          <a:lnRef idx="2">
+            <a:schemeClr val="accent1">
+              <a:shade val="50000"/>
+            </a:schemeClr>
+          </a:lnRef>
+          <a:fillRef idx="1">
+            <a:schemeClr val="accent1"/>
+          </a:fillRef>
+          <a:effectRef idx="0">
+            <a:schemeClr val="accent1"/>
+          </a:effectRef>
+          <a:fontRef idx="minor">
+            <a:schemeClr val="lt1"/>
+          </a:fontRef>
+        </p:style>
+        <p:txBody>
+          <a:bodyPr rtlCol="0" anchor="ctr"/>
+          <a:lstStyle/>
+          <a:p>
+            <a:pPr algn="ctr"/>
+            <a:r>
+              <a:rPr lang="en-US" dirty="0"/>
+              <a:t>Client</a:t>
+            </a:r>
+          </a:p>
+        </p:txBody>
+      </p:sp>
+      <p:sp>
+        <p:nvSpPr>
+          <p:cNvPr id="5" name="Oval 4">
+            <a:extLst>
+              <a:ext uri="{FF2B5EF4-FFF2-40B4-BE49-F238E27FC236}">
+                <a16:creationId xmlns:a16="http://schemas.microsoft.com/office/drawing/2014/main" id="{DBCDB9FC-ADA8-430F-8B0C-22B2954E3880}"/>
+              </a:ext>
+            </a:extLst>
+          </p:cNvPr>
+          <p:cNvSpPr/>
+          <p:nvPr/>
+        </p:nvSpPr>
+        <p:spPr>
+          <a:xfrm>
+            <a:off x="3626778" y="2396251"/>
+            <a:ext cx="2126750" cy="2085654"/>
+          </a:xfrm>
+          <a:prstGeom prst="ellipse">
+            <a:avLst/>
+          </a:prstGeom>
+        </p:spPr>
+        <p:style>
+          <a:lnRef idx="2">
+            <a:schemeClr val="accent1">
+              <a:shade val="50000"/>
+            </a:schemeClr>
+          </a:lnRef>
+          <a:fillRef idx="1">
+            <a:schemeClr val="accent1"/>
+          </a:fillRef>
+          <a:effectRef idx="0">
+            <a:schemeClr val="accent1"/>
+          </a:effectRef>
+          <a:fontRef idx="minor">
+            <a:schemeClr val="lt1"/>
+          </a:fontRef>
+        </p:style>
+        <p:txBody>
+          <a:bodyPr rtlCol="0" anchor="ctr"/>
+          <a:lstStyle/>
+          <a:p>
+            <a:pPr algn="ctr"/>
+            <a:r>
+              <a:rPr lang="en-US" dirty="0"/>
+              <a:t>Dispatcher</a:t>
+            </a:r>
+          </a:p>
+          <a:p>
+            <a:pPr algn="ctr"/>
+            <a:r>
+              <a:rPr lang="en-US" dirty="0"/>
+              <a:t>Servlet</a:t>
+            </a:r>
+          </a:p>
+          <a:p>
+            <a:pPr algn="ctr"/>
+            <a:r>
+              <a:rPr lang="en-US" strike="sngStrike" dirty="0">
+                <a:solidFill>
+                  <a:srgbClr val="FF0000"/>
+                </a:solidFill>
+              </a:rPr>
+              <a:t>(web.xml)</a:t>
+            </a:r>
+          </a:p>
+        </p:txBody>
+      </p:sp>
+      <p:cxnSp>
+        <p:nvCxnSpPr>
+          <p:cNvPr id="7" name="Straight Arrow Connector 6">
+            <a:extLst>
+              <a:ext uri="{FF2B5EF4-FFF2-40B4-BE49-F238E27FC236}">
+                <a16:creationId xmlns:a16="http://schemas.microsoft.com/office/drawing/2014/main" id="{22983E4F-0354-4428-B0F3-FDF3DE5C74B0}"/>
+              </a:ext>
+            </a:extLst>
+          </p:cNvPr>
+          <p:cNvCxnSpPr>
+            <a:cxnSpLocks/>
+            <a:stCxn id="4" idx="3"/>
+            <a:endCxn id="5" idx="2"/>
+          </p:cNvCxnSpPr>
+          <p:nvPr/>
+        </p:nvCxnSpPr>
+        <p:spPr>
+          <a:xfrm flipV="1">
+            <a:off x="1869897" y="3439078"/>
+            <a:ext cx="1756881" cy="102937"/>
+          </a:xfrm>
+          <a:prstGeom prst="straightConnector1">
+            <a:avLst/>
+          </a:prstGeom>
+          <a:ln>
+            <a:tailEnd type="triangle"/>
+          </a:ln>
+        </p:spPr>
+        <p:style>
+          <a:lnRef idx="1">
+            <a:schemeClr val="accent1"/>
+          </a:lnRef>
+          <a:fillRef idx="0">
+            <a:schemeClr val="accent1"/>
+          </a:fillRef>
+          <a:effectRef idx="0">
+            <a:schemeClr val="accent1"/>
+          </a:effectRef>
+          <a:fontRef idx="minor">
+            <a:schemeClr val="tx1"/>
+          </a:fontRef>
+        </p:style>
+      </p:cxnSp>
+      <p:sp>
+        <p:nvSpPr>
+          <p:cNvPr id="8" name="TextBox 7">
+            <a:extLst>
+              <a:ext uri="{FF2B5EF4-FFF2-40B4-BE49-F238E27FC236}">
+                <a16:creationId xmlns:a16="http://schemas.microsoft.com/office/drawing/2014/main" id="{911CF77D-F396-4C6E-BF9A-B3D7926B8CBC}"/>
+              </a:ext>
+            </a:extLst>
+          </p:cNvPr>
+          <p:cNvSpPr txBox="1"/>
+          <p:nvPr/>
+        </p:nvSpPr>
+        <p:spPr>
+          <a:xfrm>
+            <a:off x="2461123" y="3133618"/>
+            <a:ext cx="944297" cy="369332"/>
+          </a:xfrm>
+          <a:prstGeom prst="rect">
+            <a:avLst/>
+          </a:prstGeom>
+          <a:noFill/>
+        </p:spPr>
+        <p:txBody>
+          <a:bodyPr wrap="none" rtlCol="0">
+            <a:spAutoFit/>
+          </a:bodyPr>
+          <a:lstStyle/>
+          <a:p>
+            <a:r>
+              <a:rPr lang="en-US" dirty="0"/>
+              <a:t>Request</a:t>
+            </a:r>
+          </a:p>
+        </p:txBody>
+      </p:sp>
+      <p:sp>
+        <p:nvSpPr>
+          <p:cNvPr id="10" name="Rectangle 9">
+            <a:extLst>
+              <a:ext uri="{FF2B5EF4-FFF2-40B4-BE49-F238E27FC236}">
+                <a16:creationId xmlns:a16="http://schemas.microsoft.com/office/drawing/2014/main" id="{B2295383-2D4E-4966-9AF8-6AB316375266}"/>
+              </a:ext>
+            </a:extLst>
+          </p:cNvPr>
+          <p:cNvSpPr/>
+          <p:nvPr/>
+        </p:nvSpPr>
+        <p:spPr>
+          <a:xfrm>
+            <a:off x="7099443" y="1756881"/>
+            <a:ext cx="3222660" cy="2804845"/>
+          </a:xfrm>
+          <a:prstGeom prst="rect">
+            <a:avLst/>
+          </a:prstGeom>
+        </p:spPr>
+        <p:style>
+          <a:lnRef idx="2">
+            <a:schemeClr val="accent1">
+              <a:shade val="50000"/>
+            </a:schemeClr>
+          </a:lnRef>
+          <a:fillRef idx="1">
+            <a:schemeClr val="accent1"/>
+          </a:fillRef>
+          <a:effectRef idx="0">
+            <a:schemeClr val="accent1"/>
+          </a:effectRef>
+          <a:fontRef idx="minor">
+            <a:schemeClr val="lt1"/>
+          </a:fontRef>
+        </p:style>
+        <p:txBody>
+          <a:bodyPr rtlCol="0" anchor="ctr"/>
+          <a:lstStyle/>
+          <a:p>
+            <a:pPr algn="ctr"/>
+            <a:endParaRPr lang="en-US"/>
+          </a:p>
+        </p:txBody>
+      </p:sp>
+      <p:cxnSp>
+        <p:nvCxnSpPr>
+          <p:cNvPr id="12" name="Straight Arrow Connector 11">
+            <a:extLst>
+              <a:ext uri="{FF2B5EF4-FFF2-40B4-BE49-F238E27FC236}">
+                <a16:creationId xmlns:a16="http://schemas.microsoft.com/office/drawing/2014/main" id="{38075954-B6AC-4DAD-9F53-8AF42A4C83DE}"/>
+              </a:ext>
+            </a:extLst>
+          </p:cNvPr>
+          <p:cNvCxnSpPr/>
+          <p:nvPr/>
+        </p:nvCxnSpPr>
+        <p:spPr>
+          <a:xfrm>
+            <a:off x="5661061" y="3061699"/>
+            <a:ext cx="1438382" cy="0"/>
+          </a:xfrm>
+          <a:prstGeom prst="straightConnector1">
+            <a:avLst/>
+          </a:prstGeom>
+          <a:ln>
+            <a:tailEnd type="triangle"/>
+          </a:ln>
+        </p:spPr>
+        <p:style>
+          <a:lnRef idx="1">
+            <a:schemeClr val="accent1"/>
+          </a:lnRef>
+          <a:fillRef idx="0">
+            <a:schemeClr val="accent1"/>
+          </a:fillRef>
+          <a:effectRef idx="0">
+            <a:schemeClr val="accent1"/>
+          </a:effectRef>
+          <a:fontRef idx="minor">
+            <a:schemeClr val="tx1"/>
+          </a:fontRef>
+        </p:style>
+      </p:cxnSp>
+      <p:sp>
+        <p:nvSpPr>
+          <p:cNvPr id="13" name="Pentagon 12">
+            <a:extLst>
+              <a:ext uri="{FF2B5EF4-FFF2-40B4-BE49-F238E27FC236}">
+                <a16:creationId xmlns:a16="http://schemas.microsoft.com/office/drawing/2014/main" id="{F1501A98-C63B-40C7-B444-037515449094}"/>
+              </a:ext>
+            </a:extLst>
+          </p:cNvPr>
+          <p:cNvSpPr/>
+          <p:nvPr/>
+        </p:nvSpPr>
+        <p:spPr>
+          <a:xfrm>
+            <a:off x="7535239" y="2368193"/>
+            <a:ext cx="842481" cy="791110"/>
+          </a:xfrm>
+          <a:prstGeom prst="pentagon">
+            <a:avLst/>
+          </a:prstGeom>
+          <a:solidFill>
+            <a:schemeClr val="accent2"/>
+          </a:solidFill>
+        </p:spPr>
+        <p:style>
+          <a:lnRef idx="2">
+            <a:schemeClr val="accent1">
+              <a:shade val="50000"/>
+            </a:schemeClr>
+          </a:lnRef>
+          <a:fillRef idx="1">
+            <a:schemeClr val="accent1"/>
+          </a:fillRef>
+          <a:effectRef idx="0">
+            <a:schemeClr val="accent1"/>
+          </a:effectRef>
+          <a:fontRef idx="minor">
+            <a:schemeClr val="lt1"/>
+          </a:fontRef>
+        </p:style>
+        <p:txBody>
+          <a:bodyPr rtlCol="0" anchor="ctr"/>
+          <a:lstStyle/>
+          <a:p>
+            <a:pPr algn="ctr"/>
+            <a:endParaRPr lang="en-US"/>
+          </a:p>
+        </p:txBody>
+      </p:sp>
+      <p:sp>
+        <p:nvSpPr>
+          <p:cNvPr id="14" name="Pentagon 13">
+            <a:extLst>
+              <a:ext uri="{FF2B5EF4-FFF2-40B4-BE49-F238E27FC236}">
+                <a16:creationId xmlns:a16="http://schemas.microsoft.com/office/drawing/2014/main" id="{B63788A8-9FC1-45D3-B8CD-2061447F58DA}"/>
+              </a:ext>
+            </a:extLst>
+          </p:cNvPr>
+          <p:cNvSpPr/>
+          <p:nvPr/>
+        </p:nvSpPr>
+        <p:spPr>
+          <a:xfrm>
+            <a:off x="8140559" y="3159303"/>
+            <a:ext cx="842481" cy="791110"/>
+          </a:xfrm>
+          <a:prstGeom prst="pentagon">
+            <a:avLst/>
+          </a:prstGeom>
+          <a:solidFill>
+            <a:schemeClr val="accent2"/>
+          </a:solidFill>
+        </p:spPr>
+        <p:style>
+          <a:lnRef idx="2">
+            <a:schemeClr val="accent1">
+              <a:shade val="50000"/>
+            </a:schemeClr>
+          </a:lnRef>
+          <a:fillRef idx="1">
+            <a:schemeClr val="accent1"/>
+          </a:fillRef>
+          <a:effectRef idx="0">
+            <a:schemeClr val="accent1"/>
+          </a:effectRef>
+          <a:fontRef idx="minor">
+            <a:schemeClr val="lt1"/>
+          </a:fontRef>
+        </p:style>
+        <p:txBody>
+          <a:bodyPr rtlCol="0" anchor="ctr"/>
+          <a:lstStyle/>
+          <a:p>
+            <a:pPr algn="ctr"/>
+            <a:endParaRPr lang="en-US"/>
+          </a:p>
+        </p:txBody>
+      </p:sp>
+      <p:sp>
+        <p:nvSpPr>
+          <p:cNvPr id="15" name="Pentagon 14">
+            <a:extLst>
+              <a:ext uri="{FF2B5EF4-FFF2-40B4-BE49-F238E27FC236}">
+                <a16:creationId xmlns:a16="http://schemas.microsoft.com/office/drawing/2014/main" id="{0B057485-5708-4F53-A6C8-795FD4958F9F}"/>
+              </a:ext>
+            </a:extLst>
+          </p:cNvPr>
+          <p:cNvSpPr/>
+          <p:nvPr/>
+        </p:nvSpPr>
+        <p:spPr>
+          <a:xfrm>
+            <a:off x="8904270" y="2137025"/>
+            <a:ext cx="842481" cy="791110"/>
+          </a:xfrm>
+          <a:prstGeom prst="pentagon">
+            <a:avLst/>
+          </a:prstGeom>
+          <a:solidFill>
+            <a:srgbClr val="00B050"/>
+          </a:solidFill>
+        </p:spPr>
+        <p:style>
+          <a:lnRef idx="2">
+            <a:schemeClr val="accent1">
+              <a:shade val="50000"/>
+            </a:schemeClr>
+          </a:lnRef>
+          <a:fillRef idx="1">
+            <a:schemeClr val="accent1"/>
+          </a:fillRef>
+          <a:effectRef idx="0">
+            <a:schemeClr val="accent1"/>
+          </a:effectRef>
+          <a:fontRef idx="minor">
+            <a:schemeClr val="lt1"/>
+          </a:fontRef>
+        </p:style>
+        <p:txBody>
+          <a:bodyPr rtlCol="0" anchor="ctr"/>
+          <a:lstStyle/>
+          <a:p>
+            <a:pPr algn="ctr"/>
+            <a:endParaRPr lang="en-US"/>
+          </a:p>
+        </p:txBody>
+      </p:sp>
+      <p:sp>
+        <p:nvSpPr>
+          <p:cNvPr id="16" name="Pentagon 15">
+            <a:extLst>
+              <a:ext uri="{FF2B5EF4-FFF2-40B4-BE49-F238E27FC236}">
+                <a16:creationId xmlns:a16="http://schemas.microsoft.com/office/drawing/2014/main" id="{7204E969-DC3B-4B9E-AEFA-6F006CECFA14}"/>
+              </a:ext>
+            </a:extLst>
+          </p:cNvPr>
+          <p:cNvSpPr/>
+          <p:nvPr/>
+        </p:nvSpPr>
+        <p:spPr>
+          <a:xfrm>
+            <a:off x="9231331" y="3385335"/>
+            <a:ext cx="842481" cy="791110"/>
+          </a:xfrm>
+          <a:prstGeom prst="pentagon">
+            <a:avLst/>
+          </a:prstGeom>
+          <a:solidFill>
+            <a:schemeClr val="accent2"/>
+          </a:solidFill>
+        </p:spPr>
+        <p:style>
+          <a:lnRef idx="2">
+            <a:schemeClr val="accent1">
+              <a:shade val="50000"/>
+            </a:schemeClr>
+          </a:lnRef>
+          <a:fillRef idx="1">
+            <a:schemeClr val="accent1"/>
+          </a:fillRef>
+          <a:effectRef idx="0">
+            <a:schemeClr val="accent1"/>
+          </a:effectRef>
+          <a:fontRef idx="minor">
+            <a:schemeClr val="lt1"/>
+          </a:fontRef>
+        </p:style>
+        <p:txBody>
+          <a:bodyPr rtlCol="0" anchor="ctr"/>
+          <a:lstStyle/>
+          <a:p>
+            <a:pPr algn="ctr"/>
+            <a:endParaRPr lang="en-US" dirty="0"/>
+          </a:p>
+        </p:txBody>
+      </p:sp>
+      <p:sp>
+        <p:nvSpPr>
+          <p:cNvPr id="17" name="TextBox 16">
+            <a:extLst>
+              <a:ext uri="{FF2B5EF4-FFF2-40B4-BE49-F238E27FC236}">
+                <a16:creationId xmlns:a16="http://schemas.microsoft.com/office/drawing/2014/main" id="{AEBBB5D5-D602-4FBB-A58B-1C55073B29F8}"/>
+              </a:ext>
+            </a:extLst>
+          </p:cNvPr>
+          <p:cNvSpPr txBox="1"/>
+          <p:nvPr/>
+        </p:nvSpPr>
+        <p:spPr>
+          <a:xfrm>
+            <a:off x="7704698" y="4097829"/>
+            <a:ext cx="2297232" cy="461665"/>
+          </a:xfrm>
+          <a:prstGeom prst="rect">
+            <a:avLst/>
+          </a:prstGeom>
+          <a:noFill/>
+        </p:spPr>
+        <p:txBody>
+          <a:bodyPr wrap="none" rtlCol="0">
+            <a:spAutoFit/>
+          </a:bodyPr>
+          <a:lstStyle/>
+          <a:p>
+            <a:r>
+              <a:rPr lang="en-US" sz="2400" b="1" dirty="0">
+                <a:solidFill>
+                  <a:schemeClr val="bg1"/>
+                </a:solidFill>
+              </a:rPr>
+              <a:t>@</a:t>
+            </a:r>
+            <a:r>
+              <a:rPr lang="en-US" sz="2400" b="1" dirty="0" err="1">
+                <a:solidFill>
+                  <a:schemeClr val="bg1"/>
+                </a:solidFill>
+              </a:rPr>
+              <a:t>RestController</a:t>
+            </a:r>
+            <a:endParaRPr lang="en-US" sz="2400" b="1" dirty="0">
+              <a:solidFill>
+                <a:schemeClr val="bg1"/>
+              </a:solidFill>
+            </a:endParaRPr>
+          </a:p>
+        </p:txBody>
+      </p:sp>
+      <p:sp>
+        <p:nvSpPr>
+          <p:cNvPr id="18" name="Rectangle 17">
+            <a:extLst>
+              <a:ext uri="{FF2B5EF4-FFF2-40B4-BE49-F238E27FC236}">
+                <a16:creationId xmlns:a16="http://schemas.microsoft.com/office/drawing/2014/main" id="{BA17DFB0-C85A-4DA2-8922-E4C97080624B}"/>
+              </a:ext>
+            </a:extLst>
+          </p:cNvPr>
+          <p:cNvSpPr/>
+          <p:nvPr/>
+        </p:nvSpPr>
+        <p:spPr>
+          <a:xfrm>
+            <a:off x="7416659" y="246580"/>
+            <a:ext cx="3145175" cy="729466"/>
+          </a:xfrm>
+          <a:prstGeom prst="rect">
+            <a:avLst/>
+          </a:prstGeom>
+        </p:spPr>
+        <p:style>
+          <a:lnRef idx="2">
+            <a:schemeClr val="accent1">
+              <a:shade val="50000"/>
+            </a:schemeClr>
+          </a:lnRef>
+          <a:fillRef idx="1">
+            <a:schemeClr val="accent1"/>
+          </a:fillRef>
+          <a:effectRef idx="0">
+            <a:schemeClr val="accent1"/>
+          </a:effectRef>
+          <a:fontRef idx="minor">
+            <a:schemeClr val="lt1"/>
+          </a:fontRef>
+        </p:style>
+        <p:txBody>
+          <a:bodyPr rtlCol="0" anchor="ctr"/>
+          <a:lstStyle/>
+          <a:p>
+            <a:pPr algn="ctr"/>
+            <a:r>
+              <a:rPr lang="en-US" dirty="0" err="1"/>
+              <a:t>HandlerMapper</a:t>
+            </a:r>
+            <a:endParaRPr lang="en-US" dirty="0"/>
+          </a:p>
+          <a:p>
+            <a:pPr algn="ctr"/>
+            <a:r>
+              <a:rPr lang="en-US" dirty="0">
+                <a:solidFill>
+                  <a:srgbClr val="FF0000"/>
+                </a:solidFill>
+              </a:rPr>
+              <a:t>@</a:t>
+            </a:r>
+            <a:r>
+              <a:rPr lang="en-US" dirty="0" err="1">
+                <a:solidFill>
+                  <a:srgbClr val="FF0000"/>
+                </a:solidFill>
+              </a:rPr>
+              <a:t>RequestMapping</a:t>
+            </a:r>
+            <a:r>
+              <a:rPr lang="en-US" dirty="0">
+                <a:solidFill>
+                  <a:srgbClr val="FF0000"/>
+                </a:solidFill>
+              </a:rPr>
+              <a:t>(“</a:t>
+            </a:r>
+            <a:r>
+              <a:rPr lang="en-US" dirty="0" err="1">
+                <a:solidFill>
+                  <a:srgbClr val="FF0000"/>
+                </a:solidFill>
+              </a:rPr>
+              <a:t>uri</a:t>
+            </a:r>
+            <a:r>
+              <a:rPr lang="en-US" dirty="0">
+                <a:solidFill>
+                  <a:srgbClr val="FF0000"/>
+                </a:solidFill>
+              </a:rPr>
+              <a:t>”)</a:t>
+            </a:r>
+          </a:p>
+        </p:txBody>
+      </p:sp>
+      <p:cxnSp>
+        <p:nvCxnSpPr>
+          <p:cNvPr id="20" name="Straight Arrow Connector 19">
+            <a:extLst>
+              <a:ext uri="{FF2B5EF4-FFF2-40B4-BE49-F238E27FC236}">
+                <a16:creationId xmlns:a16="http://schemas.microsoft.com/office/drawing/2014/main" id="{2374C20B-39F2-47F5-AFC1-5C5533E0AEBB}"/>
+              </a:ext>
+            </a:extLst>
+          </p:cNvPr>
+          <p:cNvCxnSpPr/>
+          <p:nvPr/>
+        </p:nvCxnSpPr>
+        <p:spPr>
+          <a:xfrm flipV="1">
+            <a:off x="8140559" y="976046"/>
+            <a:ext cx="623297" cy="791110"/>
+          </a:xfrm>
+          <a:prstGeom prst="straightConnector1">
+            <a:avLst/>
+          </a:prstGeom>
+          <a:ln>
+            <a:tailEnd type="triangle"/>
+          </a:ln>
+        </p:spPr>
+        <p:style>
+          <a:lnRef idx="1">
+            <a:schemeClr val="accent1"/>
+          </a:lnRef>
+          <a:fillRef idx="0">
+            <a:schemeClr val="accent1"/>
+          </a:fillRef>
+          <a:effectRef idx="0">
+            <a:schemeClr val="accent1"/>
+          </a:effectRef>
+          <a:fontRef idx="minor">
+            <a:schemeClr val="tx1"/>
+          </a:fontRef>
+        </p:style>
+      </p:cxnSp>
+      <p:cxnSp>
+        <p:nvCxnSpPr>
+          <p:cNvPr id="22" name="Straight Arrow Connector 21">
+            <a:extLst>
+              <a:ext uri="{FF2B5EF4-FFF2-40B4-BE49-F238E27FC236}">
+                <a16:creationId xmlns:a16="http://schemas.microsoft.com/office/drawing/2014/main" id="{61A4D7DC-F775-4784-AE99-EC657FD625EA}"/>
+              </a:ext>
+            </a:extLst>
+          </p:cNvPr>
+          <p:cNvCxnSpPr>
+            <a:stCxn id="18" idx="2"/>
+          </p:cNvCxnSpPr>
+          <p:nvPr/>
+        </p:nvCxnSpPr>
+        <p:spPr>
+          <a:xfrm>
+            <a:off x="8989247" y="976046"/>
+            <a:ext cx="498509" cy="791110"/>
+          </a:xfrm>
+          <a:prstGeom prst="straightConnector1">
+            <a:avLst/>
+          </a:prstGeom>
+          <a:ln>
+            <a:tailEnd type="triangle"/>
+          </a:ln>
+        </p:spPr>
+        <p:style>
+          <a:lnRef idx="1">
+            <a:schemeClr val="accent1"/>
+          </a:lnRef>
+          <a:fillRef idx="0">
+            <a:schemeClr val="accent1"/>
+          </a:fillRef>
+          <a:effectRef idx="0">
+            <a:schemeClr val="accent1"/>
+          </a:effectRef>
+          <a:fontRef idx="minor">
+            <a:schemeClr val="tx1"/>
+          </a:fontRef>
+        </p:style>
+      </p:cxnSp>
+      <p:cxnSp>
+        <p:nvCxnSpPr>
+          <p:cNvPr id="24" name="Straight Arrow Connector 23">
+            <a:extLst>
+              <a:ext uri="{FF2B5EF4-FFF2-40B4-BE49-F238E27FC236}">
+                <a16:creationId xmlns:a16="http://schemas.microsoft.com/office/drawing/2014/main" id="{E51A5FF6-AD18-43C2-8072-45CC68E5F87A}"/>
+              </a:ext>
+            </a:extLst>
+          </p:cNvPr>
+          <p:cNvCxnSpPr/>
+          <p:nvPr/>
+        </p:nvCxnSpPr>
+        <p:spPr>
+          <a:xfrm flipH="1">
+            <a:off x="5661061" y="3866661"/>
+            <a:ext cx="1438382" cy="0"/>
+          </a:xfrm>
+          <a:prstGeom prst="straightConnector1">
+            <a:avLst/>
+          </a:prstGeom>
+          <a:ln>
+            <a:tailEnd type="triangle"/>
+          </a:ln>
+        </p:spPr>
+        <p:style>
+          <a:lnRef idx="1">
+            <a:schemeClr val="accent1"/>
+          </a:lnRef>
+          <a:fillRef idx="0">
+            <a:schemeClr val="accent1"/>
+          </a:fillRef>
+          <a:effectRef idx="0">
+            <a:schemeClr val="accent1"/>
+          </a:effectRef>
+          <a:fontRef idx="minor">
+            <a:schemeClr val="tx1"/>
+          </a:fontRef>
+        </p:style>
+      </p:cxnSp>
+      <p:sp>
+        <p:nvSpPr>
+          <p:cNvPr id="25" name="TextBox 24">
+            <a:extLst>
+              <a:ext uri="{FF2B5EF4-FFF2-40B4-BE49-F238E27FC236}">
+                <a16:creationId xmlns:a16="http://schemas.microsoft.com/office/drawing/2014/main" id="{0F9C35A0-A00A-47DA-AA7C-2D39E987F540}"/>
+              </a:ext>
+            </a:extLst>
+          </p:cNvPr>
+          <p:cNvSpPr txBox="1"/>
+          <p:nvPr/>
+        </p:nvSpPr>
+        <p:spPr>
+          <a:xfrm>
+            <a:off x="5505237" y="3866661"/>
+            <a:ext cx="1761188" cy="369332"/>
+          </a:xfrm>
+          <a:prstGeom prst="rect">
+            <a:avLst/>
+          </a:prstGeom>
+          <a:noFill/>
+        </p:spPr>
+        <p:txBody>
+          <a:bodyPr wrap="none" rtlCol="0">
+            <a:spAutoFit/>
+          </a:bodyPr>
+          <a:lstStyle/>
+          <a:p>
+            <a:r>
+              <a:rPr lang="en-US" dirty="0"/>
+              <a:t>@</a:t>
+            </a:r>
+            <a:r>
+              <a:rPr lang="en-US" dirty="0" err="1"/>
+              <a:t>ResponseBody</a:t>
+            </a:r>
+            <a:endParaRPr lang="en-US" dirty="0"/>
+          </a:p>
+        </p:txBody>
+      </p:sp>
+      <p:sp>
+        <p:nvSpPr>
+          <p:cNvPr id="26" name="TextBox 25">
+            <a:extLst>
+              <a:ext uri="{FF2B5EF4-FFF2-40B4-BE49-F238E27FC236}">
+                <a16:creationId xmlns:a16="http://schemas.microsoft.com/office/drawing/2014/main" id="{61F89876-D37B-456A-B13A-A8F1C9C2823B}"/>
+              </a:ext>
+            </a:extLst>
+          </p:cNvPr>
+          <p:cNvSpPr txBox="1"/>
+          <p:nvPr/>
+        </p:nvSpPr>
+        <p:spPr>
+          <a:xfrm>
+            <a:off x="5891871" y="2743469"/>
+            <a:ext cx="944297" cy="369332"/>
+          </a:xfrm>
+          <a:prstGeom prst="rect">
+            <a:avLst/>
+          </a:prstGeom>
+          <a:noFill/>
+        </p:spPr>
+        <p:txBody>
+          <a:bodyPr wrap="none" rtlCol="0">
+            <a:spAutoFit/>
+          </a:bodyPr>
+          <a:lstStyle/>
+          <a:p>
+            <a:r>
+              <a:rPr lang="en-US" dirty="0"/>
+              <a:t>Request</a:t>
+            </a:r>
+          </a:p>
+        </p:txBody>
+      </p:sp>
+      <p:cxnSp>
+        <p:nvCxnSpPr>
+          <p:cNvPr id="37" name="Straight Arrow Connector 36">
+            <a:extLst>
+              <a:ext uri="{FF2B5EF4-FFF2-40B4-BE49-F238E27FC236}">
+                <a16:creationId xmlns:a16="http://schemas.microsoft.com/office/drawing/2014/main" id="{9B9FACA7-8587-4DC5-B18D-876267D512D0}"/>
+              </a:ext>
+            </a:extLst>
+          </p:cNvPr>
+          <p:cNvCxnSpPr>
+            <a:cxnSpLocks/>
+          </p:cNvCxnSpPr>
+          <p:nvPr/>
+        </p:nvCxnSpPr>
+        <p:spPr>
+          <a:xfrm flipH="1" flipV="1">
+            <a:off x="1869897" y="3750263"/>
+            <a:ext cx="1811678" cy="30627"/>
+          </a:xfrm>
+          <a:prstGeom prst="straightConnector1">
+            <a:avLst/>
+          </a:prstGeom>
+          <a:ln>
+            <a:tailEnd type="triangle"/>
+          </a:ln>
+        </p:spPr>
+        <p:style>
+          <a:lnRef idx="1">
+            <a:schemeClr val="accent1"/>
+          </a:lnRef>
+          <a:fillRef idx="0">
+            <a:schemeClr val="accent1"/>
+          </a:fillRef>
+          <a:effectRef idx="0">
+            <a:schemeClr val="accent1"/>
+          </a:effectRef>
+          <a:fontRef idx="minor">
+            <a:schemeClr val="tx1"/>
+          </a:fontRef>
+        </p:style>
+      </p:cxnSp>
+      <p:sp>
+        <p:nvSpPr>
+          <p:cNvPr id="38" name="TextBox 37">
+            <a:extLst>
+              <a:ext uri="{FF2B5EF4-FFF2-40B4-BE49-F238E27FC236}">
+                <a16:creationId xmlns:a16="http://schemas.microsoft.com/office/drawing/2014/main" id="{FC0A37F9-B87E-4A29-A170-539D3679A8B4}"/>
+              </a:ext>
+            </a:extLst>
+          </p:cNvPr>
+          <p:cNvSpPr txBox="1"/>
+          <p:nvPr/>
+        </p:nvSpPr>
+        <p:spPr>
+          <a:xfrm>
+            <a:off x="2418279" y="3864270"/>
+            <a:ext cx="1081515" cy="369332"/>
+          </a:xfrm>
+          <a:prstGeom prst="rect">
+            <a:avLst/>
+          </a:prstGeom>
+          <a:noFill/>
+        </p:spPr>
+        <p:txBody>
+          <a:bodyPr wrap="none" rtlCol="0">
+            <a:spAutoFit/>
+          </a:bodyPr>
+          <a:lstStyle/>
+          <a:p>
+            <a:r>
+              <a:rPr lang="en-US" dirty="0"/>
+              <a:t>Response</a:t>
+            </a:r>
+          </a:p>
+        </p:txBody>
+      </p:sp>
+      <p:sp>
+        <p:nvSpPr>
+          <p:cNvPr id="41" name="TextBox 40">
+            <a:extLst>
+              <a:ext uri="{FF2B5EF4-FFF2-40B4-BE49-F238E27FC236}">
+                <a16:creationId xmlns:a16="http://schemas.microsoft.com/office/drawing/2014/main" id="{F65847BD-7C5E-45BD-9B2D-EF6F06E2ACC4}"/>
+              </a:ext>
+            </a:extLst>
+          </p:cNvPr>
+          <p:cNvSpPr txBox="1"/>
+          <p:nvPr/>
+        </p:nvSpPr>
+        <p:spPr>
+          <a:xfrm>
+            <a:off x="3782098" y="2039958"/>
+            <a:ext cx="1996637" cy="369332"/>
+          </a:xfrm>
+          <a:prstGeom prst="rect">
+            <a:avLst/>
+          </a:prstGeom>
+          <a:noFill/>
+        </p:spPr>
+        <p:txBody>
+          <a:bodyPr wrap="none" rtlCol="0">
+            <a:spAutoFit/>
+          </a:bodyPr>
+          <a:lstStyle/>
+          <a:p>
+            <a:r>
+              <a:rPr lang="en-US" dirty="0"/>
+              <a:t>Java Configurations</a:t>
+            </a:r>
+          </a:p>
+        </p:txBody>
+      </p:sp>
+      <p:sp>
+        <p:nvSpPr>
+          <p:cNvPr id="42" name="TextBox 41">
+            <a:extLst>
+              <a:ext uri="{FF2B5EF4-FFF2-40B4-BE49-F238E27FC236}">
+                <a16:creationId xmlns:a16="http://schemas.microsoft.com/office/drawing/2014/main" id="{63D90C6F-A43D-4100-AB0D-68ED554E9A2F}"/>
+              </a:ext>
+            </a:extLst>
+          </p:cNvPr>
+          <p:cNvSpPr txBox="1"/>
+          <p:nvPr/>
+        </p:nvSpPr>
+        <p:spPr>
+          <a:xfrm>
+            <a:off x="3739793" y="1596656"/>
+            <a:ext cx="2560957" cy="523220"/>
+          </a:xfrm>
+          <a:prstGeom prst="rect">
+            <a:avLst/>
+          </a:prstGeom>
+          <a:noFill/>
+        </p:spPr>
+        <p:txBody>
+          <a:bodyPr wrap="none" rtlCol="0">
+            <a:spAutoFit/>
+          </a:bodyPr>
+          <a:lstStyle/>
+          <a:p>
+            <a:r>
+              <a:rPr lang="en-US" sz="2800" b="1" dirty="0"/>
+              <a:t>Front Controller</a:t>
+            </a:r>
+          </a:p>
+        </p:txBody>
+      </p:sp>
+      <p:sp>
+        <p:nvSpPr>
+          <p:cNvPr id="43" name="Cylinder 42">
+            <a:extLst>
+              <a:ext uri="{FF2B5EF4-FFF2-40B4-BE49-F238E27FC236}">
+                <a16:creationId xmlns:a16="http://schemas.microsoft.com/office/drawing/2014/main" id="{477FBE71-E093-4109-A5B4-F966819EB067}"/>
+              </a:ext>
+            </a:extLst>
+          </p:cNvPr>
+          <p:cNvSpPr/>
+          <p:nvPr/>
+        </p:nvSpPr>
+        <p:spPr>
+          <a:xfrm>
+            <a:off x="10705672" y="5484513"/>
+            <a:ext cx="1325366" cy="1275883"/>
+          </a:xfrm>
+          <a:prstGeom prst="can">
+            <a:avLst/>
+          </a:prstGeom>
+        </p:spPr>
+        <p:style>
+          <a:lnRef idx="2">
+            <a:schemeClr val="accent1">
+              <a:shade val="50000"/>
+            </a:schemeClr>
+          </a:lnRef>
+          <a:fillRef idx="1">
+            <a:schemeClr val="accent1"/>
+          </a:fillRef>
+          <a:effectRef idx="0">
+            <a:schemeClr val="accent1"/>
+          </a:effectRef>
+          <a:fontRef idx="minor">
+            <a:schemeClr val="lt1"/>
+          </a:fontRef>
+        </p:style>
+        <p:txBody>
+          <a:bodyPr rtlCol="0" anchor="ctr"/>
+          <a:lstStyle/>
+          <a:p>
+            <a:pPr algn="ctr"/>
+            <a:r>
+              <a:rPr lang="en-US" dirty="0"/>
+              <a:t>DB</a:t>
+            </a:r>
+          </a:p>
+        </p:txBody>
+      </p:sp>
+      <p:sp>
+        <p:nvSpPr>
+          <p:cNvPr id="44" name="Rectangle 43">
+            <a:extLst>
+              <a:ext uri="{FF2B5EF4-FFF2-40B4-BE49-F238E27FC236}">
+                <a16:creationId xmlns:a16="http://schemas.microsoft.com/office/drawing/2014/main" id="{C81D5211-C97A-4CE8-8BF0-E4F959995480}"/>
+              </a:ext>
+            </a:extLst>
+          </p:cNvPr>
+          <p:cNvSpPr/>
+          <p:nvPr/>
+        </p:nvSpPr>
+        <p:spPr>
+          <a:xfrm>
+            <a:off x="10961735" y="4097829"/>
+            <a:ext cx="1277420" cy="806522"/>
+          </a:xfrm>
+          <a:prstGeom prst="rect">
+            <a:avLst/>
+          </a:prstGeom>
+        </p:spPr>
+        <p:style>
+          <a:lnRef idx="2">
+            <a:schemeClr val="accent1">
+              <a:shade val="50000"/>
+            </a:schemeClr>
+          </a:lnRef>
+          <a:fillRef idx="1">
+            <a:schemeClr val="accent1"/>
+          </a:fillRef>
+          <a:effectRef idx="0">
+            <a:schemeClr val="accent1"/>
+          </a:effectRef>
+          <a:fontRef idx="minor">
+            <a:schemeClr val="lt1"/>
+          </a:fontRef>
+        </p:style>
+        <p:txBody>
+          <a:bodyPr rtlCol="0" anchor="ctr"/>
+          <a:lstStyle/>
+          <a:p>
+            <a:pPr algn="ctr"/>
+            <a:r>
+              <a:rPr lang="en-US" dirty="0"/>
+              <a:t>Dao</a:t>
+            </a:r>
+          </a:p>
+        </p:txBody>
+      </p:sp>
+      <p:sp>
+        <p:nvSpPr>
+          <p:cNvPr id="45" name="Rectangle 44">
+            <a:extLst>
+              <a:ext uri="{FF2B5EF4-FFF2-40B4-BE49-F238E27FC236}">
+                <a16:creationId xmlns:a16="http://schemas.microsoft.com/office/drawing/2014/main" id="{6099B530-2A83-4D6D-B5E4-D7F1CD67A650}"/>
+              </a:ext>
+            </a:extLst>
+          </p:cNvPr>
+          <p:cNvSpPr/>
+          <p:nvPr/>
+        </p:nvSpPr>
+        <p:spPr>
+          <a:xfrm>
+            <a:off x="11001910" y="2731213"/>
+            <a:ext cx="1277420" cy="806522"/>
+          </a:xfrm>
+          <a:prstGeom prst="rect">
+            <a:avLst/>
+          </a:prstGeom>
+        </p:spPr>
+        <p:style>
+          <a:lnRef idx="2">
+            <a:schemeClr val="accent1">
+              <a:shade val="50000"/>
+            </a:schemeClr>
+          </a:lnRef>
+          <a:fillRef idx="1">
+            <a:schemeClr val="accent1"/>
+          </a:fillRef>
+          <a:effectRef idx="0">
+            <a:schemeClr val="accent1"/>
+          </a:effectRef>
+          <a:fontRef idx="minor">
+            <a:schemeClr val="lt1"/>
+          </a:fontRef>
+        </p:style>
+        <p:txBody>
+          <a:bodyPr rtlCol="0" anchor="ctr"/>
+          <a:lstStyle/>
+          <a:p>
+            <a:pPr algn="ctr"/>
+            <a:r>
+              <a:rPr lang="en-US" dirty="0"/>
+              <a:t>Service</a:t>
+            </a:r>
+          </a:p>
+        </p:txBody>
+      </p:sp>
+      <p:cxnSp>
+        <p:nvCxnSpPr>
+          <p:cNvPr id="47" name="Straight Arrow Connector 46">
+            <a:extLst>
+              <a:ext uri="{FF2B5EF4-FFF2-40B4-BE49-F238E27FC236}">
+                <a16:creationId xmlns:a16="http://schemas.microsoft.com/office/drawing/2014/main" id="{B1E9C938-3ECE-4268-92CD-00AAEBA0EA5B}"/>
+              </a:ext>
+            </a:extLst>
+          </p:cNvPr>
+          <p:cNvCxnSpPr/>
+          <p:nvPr/>
+        </p:nvCxnSpPr>
+        <p:spPr>
+          <a:xfrm>
+            <a:off x="11353800" y="3554858"/>
+            <a:ext cx="14555" cy="621587"/>
+          </a:xfrm>
+          <a:prstGeom prst="straightConnector1">
+            <a:avLst/>
+          </a:prstGeom>
+          <a:ln>
+            <a:tailEnd type="triangle"/>
+          </a:ln>
+        </p:spPr>
+        <p:style>
+          <a:lnRef idx="1">
+            <a:schemeClr val="accent1"/>
+          </a:lnRef>
+          <a:fillRef idx="0">
+            <a:schemeClr val="accent1"/>
+          </a:fillRef>
+          <a:effectRef idx="0">
+            <a:schemeClr val="accent1"/>
+          </a:effectRef>
+          <a:fontRef idx="minor">
+            <a:schemeClr val="tx1"/>
+          </a:fontRef>
+        </p:style>
+      </p:cxnSp>
+      <p:cxnSp>
+        <p:nvCxnSpPr>
+          <p:cNvPr id="49" name="Straight Arrow Connector 48">
+            <a:extLst>
+              <a:ext uri="{FF2B5EF4-FFF2-40B4-BE49-F238E27FC236}">
+                <a16:creationId xmlns:a16="http://schemas.microsoft.com/office/drawing/2014/main" id="{92AC11B7-03E8-4891-97E1-22CE23F829DE}"/>
+              </a:ext>
+            </a:extLst>
+          </p:cNvPr>
+          <p:cNvCxnSpPr/>
+          <p:nvPr/>
+        </p:nvCxnSpPr>
+        <p:spPr>
+          <a:xfrm>
+            <a:off x="11229654" y="4904351"/>
+            <a:ext cx="0" cy="695065"/>
+          </a:xfrm>
+          <a:prstGeom prst="straightConnector1">
+            <a:avLst/>
+          </a:prstGeom>
+          <a:ln>
+            <a:tailEnd type="triangle"/>
+          </a:ln>
+        </p:spPr>
+        <p:style>
+          <a:lnRef idx="1">
+            <a:schemeClr val="accent1"/>
+          </a:lnRef>
+          <a:fillRef idx="0">
+            <a:schemeClr val="accent1"/>
+          </a:fillRef>
+          <a:effectRef idx="0">
+            <a:schemeClr val="accent1"/>
+          </a:effectRef>
+          <a:fontRef idx="minor">
+            <a:schemeClr val="tx1"/>
+          </a:fontRef>
+        </p:style>
+      </p:cxnSp>
+      <p:cxnSp>
+        <p:nvCxnSpPr>
+          <p:cNvPr id="51" name="Straight Arrow Connector 50">
+            <a:extLst>
+              <a:ext uri="{FF2B5EF4-FFF2-40B4-BE49-F238E27FC236}">
+                <a16:creationId xmlns:a16="http://schemas.microsoft.com/office/drawing/2014/main" id="{DD35C806-D7D5-48B2-93F9-5EA4FE08F577}"/>
+              </a:ext>
+            </a:extLst>
+          </p:cNvPr>
+          <p:cNvCxnSpPr/>
+          <p:nvPr/>
+        </p:nvCxnSpPr>
+        <p:spPr>
+          <a:xfrm flipV="1">
+            <a:off x="11733088" y="4904351"/>
+            <a:ext cx="0" cy="838903"/>
+          </a:xfrm>
+          <a:prstGeom prst="straightConnector1">
+            <a:avLst/>
+          </a:prstGeom>
+          <a:ln>
+            <a:tailEnd type="triangle"/>
+          </a:ln>
+        </p:spPr>
+        <p:style>
+          <a:lnRef idx="1">
+            <a:schemeClr val="accent1"/>
+          </a:lnRef>
+          <a:fillRef idx="0">
+            <a:schemeClr val="accent1"/>
+          </a:fillRef>
+          <a:effectRef idx="0">
+            <a:schemeClr val="accent1"/>
+          </a:effectRef>
+          <a:fontRef idx="minor">
+            <a:schemeClr val="tx1"/>
+          </a:fontRef>
+        </p:style>
+      </p:cxnSp>
+      <p:cxnSp>
+        <p:nvCxnSpPr>
+          <p:cNvPr id="53" name="Straight Arrow Connector 52">
+            <a:extLst>
+              <a:ext uri="{FF2B5EF4-FFF2-40B4-BE49-F238E27FC236}">
+                <a16:creationId xmlns:a16="http://schemas.microsoft.com/office/drawing/2014/main" id="{48EB67D0-6E1B-45EB-A410-3DD75173F5C2}"/>
+              </a:ext>
+            </a:extLst>
+          </p:cNvPr>
+          <p:cNvCxnSpPr/>
+          <p:nvPr/>
+        </p:nvCxnSpPr>
+        <p:spPr>
+          <a:xfrm flipV="1">
+            <a:off x="11815281" y="3554858"/>
+            <a:ext cx="0" cy="542971"/>
+          </a:xfrm>
+          <a:prstGeom prst="straightConnector1">
+            <a:avLst/>
+          </a:prstGeom>
+          <a:ln>
+            <a:tailEnd type="triangle"/>
+          </a:ln>
+        </p:spPr>
+        <p:style>
+          <a:lnRef idx="1">
+            <a:schemeClr val="accent1"/>
+          </a:lnRef>
+          <a:fillRef idx="0">
+            <a:schemeClr val="accent1"/>
+          </a:fillRef>
+          <a:effectRef idx="0">
+            <a:schemeClr val="accent1"/>
+          </a:effectRef>
+          <a:fontRef idx="minor">
+            <a:schemeClr val="tx1"/>
+          </a:fontRef>
+        </p:style>
+      </p:cxnSp>
+      <p:cxnSp>
+        <p:nvCxnSpPr>
+          <p:cNvPr id="55" name="Straight Arrow Connector 54">
+            <a:extLst>
+              <a:ext uri="{FF2B5EF4-FFF2-40B4-BE49-F238E27FC236}">
+                <a16:creationId xmlns:a16="http://schemas.microsoft.com/office/drawing/2014/main" id="{294AEB78-66F7-40BA-A1AF-6087529E4199}"/>
+              </a:ext>
+            </a:extLst>
+          </p:cNvPr>
+          <p:cNvCxnSpPr>
+            <a:stCxn id="45" idx="1"/>
+          </p:cNvCxnSpPr>
+          <p:nvPr/>
+        </p:nvCxnSpPr>
+        <p:spPr>
+          <a:xfrm flipH="1" flipV="1">
+            <a:off x="10322103" y="3061699"/>
+            <a:ext cx="679807" cy="72775"/>
+          </a:xfrm>
+          <a:prstGeom prst="straightConnector1">
+            <a:avLst/>
+          </a:prstGeom>
+          <a:ln>
+            <a:tailEnd type="triangle"/>
+          </a:ln>
+        </p:spPr>
+        <p:style>
+          <a:lnRef idx="1">
+            <a:schemeClr val="accent1"/>
+          </a:lnRef>
+          <a:fillRef idx="0">
+            <a:schemeClr val="accent1"/>
+          </a:fillRef>
+          <a:effectRef idx="0">
+            <a:schemeClr val="accent1"/>
+          </a:effectRef>
+          <a:fontRef idx="minor">
+            <a:schemeClr val="tx1"/>
+          </a:fontRef>
+        </p:style>
+      </p:cxnSp>
+      <p:cxnSp>
+        <p:nvCxnSpPr>
+          <p:cNvPr id="57" name="Straight Arrow Connector 56">
+            <a:extLst>
+              <a:ext uri="{FF2B5EF4-FFF2-40B4-BE49-F238E27FC236}">
+                <a16:creationId xmlns:a16="http://schemas.microsoft.com/office/drawing/2014/main" id="{CC9ADDB9-B994-491C-B345-4BFBFA342D29}"/>
+              </a:ext>
+            </a:extLst>
+          </p:cNvPr>
+          <p:cNvCxnSpPr/>
+          <p:nvPr/>
+        </p:nvCxnSpPr>
+        <p:spPr>
+          <a:xfrm flipV="1">
+            <a:off x="10322103" y="3429000"/>
+            <a:ext cx="679807" cy="61546"/>
+          </a:xfrm>
+          <a:prstGeom prst="straightConnector1">
+            <a:avLst/>
+          </a:prstGeom>
+          <a:ln>
+            <a:tailEnd type="triangle"/>
+          </a:ln>
+        </p:spPr>
+        <p:style>
+          <a:lnRef idx="1">
+            <a:schemeClr val="accent1"/>
+          </a:lnRef>
+          <a:fillRef idx="0">
+            <a:schemeClr val="accent1"/>
+          </a:fillRef>
+          <a:effectRef idx="0">
+            <a:schemeClr val="accent1"/>
+          </a:effectRef>
+          <a:fontRef idx="minor">
+            <a:schemeClr val="tx1"/>
+          </a:fontRef>
+        </p:style>
+      </p:cxnSp>
+      <p:sp>
+        <p:nvSpPr>
+          <p:cNvPr id="58" name="TextBox 57">
+            <a:extLst>
+              <a:ext uri="{FF2B5EF4-FFF2-40B4-BE49-F238E27FC236}">
+                <a16:creationId xmlns:a16="http://schemas.microsoft.com/office/drawing/2014/main" id="{24BC9D75-DE8D-4C15-9310-09AD32540622}"/>
+              </a:ext>
+            </a:extLst>
+          </p:cNvPr>
+          <p:cNvSpPr txBox="1"/>
+          <p:nvPr/>
+        </p:nvSpPr>
+        <p:spPr>
+          <a:xfrm>
+            <a:off x="11135404" y="2374137"/>
+            <a:ext cx="1065228" cy="369332"/>
+          </a:xfrm>
+          <a:prstGeom prst="rect">
+            <a:avLst/>
+          </a:prstGeom>
+          <a:noFill/>
+        </p:spPr>
+        <p:txBody>
+          <a:bodyPr wrap="none" rtlCol="0">
+            <a:spAutoFit/>
+          </a:bodyPr>
+          <a:lstStyle/>
+          <a:p>
+            <a:r>
+              <a:rPr lang="en-US" dirty="0"/>
+              <a:t>@Service</a:t>
+            </a:r>
+          </a:p>
+        </p:txBody>
+      </p:sp>
+      <p:sp>
+        <p:nvSpPr>
+          <p:cNvPr id="59" name="TextBox 58">
+            <a:extLst>
+              <a:ext uri="{FF2B5EF4-FFF2-40B4-BE49-F238E27FC236}">
+                <a16:creationId xmlns:a16="http://schemas.microsoft.com/office/drawing/2014/main" id="{8E595212-032C-4DA2-9562-E126A562A5E9}"/>
+              </a:ext>
+            </a:extLst>
+          </p:cNvPr>
+          <p:cNvSpPr txBox="1"/>
+          <p:nvPr/>
+        </p:nvSpPr>
+        <p:spPr>
+          <a:xfrm>
+            <a:off x="10853218" y="4097829"/>
+            <a:ext cx="1396216" cy="369332"/>
+          </a:xfrm>
+          <a:prstGeom prst="rect">
+            <a:avLst/>
+          </a:prstGeom>
+          <a:noFill/>
+        </p:spPr>
+        <p:txBody>
+          <a:bodyPr wrap="none" rtlCol="0">
+            <a:spAutoFit/>
+          </a:bodyPr>
+          <a:lstStyle/>
+          <a:p>
+            <a:r>
+              <a:rPr lang="en-US" dirty="0"/>
+              <a:t>@Repository</a:t>
+            </a:r>
+          </a:p>
+        </p:txBody>
+      </p:sp>
+    </p:spTree>
+    <p:extLst>
+      <p:ext uri="{BB962C8B-B14F-4D97-AF65-F5344CB8AC3E}">
+        <p14:creationId xmlns:p14="http://schemas.microsoft.com/office/powerpoint/2010/main" val="834814896"/>
+      </p:ext>
+    </p:extLst>
+  </p:cSld>
+  <p:clrMapOvr>
+    <a:masterClrMapping/>
+  </p:clrMapOvr>
+</p:sld>
+</file>
+
+<file path=ppt/slides/slide63.xml><?xml version="1.0" encoding="utf-8"?>
+<p:sld xmlns:a="http://schemas.openxmlformats.org/drawingml/2006/main" xmlns:r="http://schemas.openxmlformats.org/officeDocument/2006/relationships" xmlns:p="http://schemas.openxmlformats.org/presentationml/2006/main">
+  <p:cSld>
+    <p:spTree>
+      <p:nvGrpSpPr>
+        <p:cNvPr id="1" name=""/>
+        <p:cNvGrpSpPr/>
+        <p:nvPr/>
+      </p:nvGrpSpPr>
+      <p:grpSpPr>
+        <a:xfrm>
+          <a:off x="0" y="0"/>
+          <a:ext cx="0" cy="0"/>
+          <a:chOff x="0" y="0"/>
+          <a:chExt cx="0" cy="0"/>
+        </a:xfrm>
+      </p:grpSpPr>
+      <p:sp>
+        <p:nvSpPr>
+          <p:cNvPr id="2" name="Title 1">
+            <a:extLst>
+              <a:ext uri="{FF2B5EF4-FFF2-40B4-BE49-F238E27FC236}">
+                <a16:creationId xmlns:a16="http://schemas.microsoft.com/office/drawing/2014/main" id="{AC94110C-A2F4-4357-930D-3AE7457731E7}"/>
+              </a:ext>
+            </a:extLst>
+          </p:cNvPr>
+          <p:cNvSpPr>
+            <a:spLocks noGrp="1"/>
+          </p:cNvSpPr>
+          <p:nvPr>
+            <p:ph type="title"/>
+          </p:nvPr>
+        </p:nvSpPr>
+        <p:spPr/>
+        <p:txBody>
+          <a:bodyPr/>
+          <a:lstStyle/>
+          <a:p>
+            <a:r>
+              <a:rPr lang="en-US" dirty="0"/>
+              <a:t>REST Implementation</a:t>
+            </a:r>
+          </a:p>
+        </p:txBody>
+      </p:sp>
+      <p:sp>
+        <p:nvSpPr>
+          <p:cNvPr id="3" name="Content Placeholder 2">
+            <a:extLst>
+              <a:ext uri="{FF2B5EF4-FFF2-40B4-BE49-F238E27FC236}">
+                <a16:creationId xmlns:a16="http://schemas.microsoft.com/office/drawing/2014/main" id="{AC087D18-7428-4055-947D-A8EB75CBACF8}"/>
+              </a:ext>
+            </a:extLst>
+          </p:cNvPr>
+          <p:cNvSpPr>
+            <a:spLocks noGrp="1"/>
+          </p:cNvSpPr>
+          <p:nvPr>
+            <p:ph idx="1"/>
+          </p:nvPr>
+        </p:nvSpPr>
+        <p:spPr/>
+        <p:txBody>
+          <a:bodyPr>
+            <a:normAutofit lnSpcReduction="10000"/>
+          </a:bodyPr>
+          <a:lstStyle/>
+          <a:p>
+            <a:r>
+              <a:rPr lang="en-US" dirty="0"/>
+              <a:t>Jar </a:t>
+            </a:r>
+            <a:r>
+              <a:rPr lang="en-US" dirty="0">
+                <a:sym typeface="Wingdings" panose="05000000000000000000" pitchFamily="2" charset="2"/>
+              </a:rPr>
+              <a:t> Spring MVC, Jackson-databinding (java-&gt;json, json-&gt;java)</a:t>
+            </a:r>
+          </a:p>
+          <a:p>
+            <a:r>
+              <a:rPr lang="en-US" dirty="0" err="1">
+                <a:sym typeface="Wingdings" panose="05000000000000000000" pitchFamily="2" charset="2"/>
+              </a:rPr>
+              <a:t>DispatcherServlet</a:t>
+            </a:r>
+            <a:endParaRPr lang="en-US" dirty="0">
+              <a:sym typeface="Wingdings" panose="05000000000000000000" pitchFamily="2" charset="2"/>
+            </a:endParaRPr>
+          </a:p>
+          <a:p>
+            <a:r>
+              <a:rPr lang="en-US" dirty="0">
+                <a:sym typeface="Wingdings" panose="05000000000000000000" pitchFamily="2" charset="2"/>
+              </a:rPr>
+              <a:t>@</a:t>
+            </a:r>
+            <a:r>
+              <a:rPr lang="en-US" dirty="0" err="1">
+                <a:sym typeface="Wingdings" panose="05000000000000000000" pitchFamily="2" charset="2"/>
+              </a:rPr>
+              <a:t>RestController</a:t>
+            </a:r>
+            <a:r>
+              <a:rPr lang="en-US" dirty="0">
+                <a:sym typeface="Wingdings" panose="05000000000000000000" pitchFamily="2" charset="2"/>
+              </a:rPr>
+              <a:t> = @Controller + @</a:t>
+            </a:r>
+            <a:r>
+              <a:rPr lang="en-US" dirty="0" err="1">
+                <a:sym typeface="Wingdings" panose="05000000000000000000" pitchFamily="2" charset="2"/>
+              </a:rPr>
+              <a:t>ResponseBody</a:t>
+            </a:r>
+            <a:endParaRPr lang="en-US" dirty="0">
+              <a:sym typeface="Wingdings" panose="05000000000000000000" pitchFamily="2" charset="2"/>
+            </a:endParaRPr>
+          </a:p>
+          <a:p>
+            <a:r>
+              <a:rPr lang="en-US" dirty="0">
+                <a:sym typeface="Wingdings" panose="05000000000000000000" pitchFamily="2" charset="2"/>
+              </a:rPr>
+              <a:t>@</a:t>
+            </a:r>
+            <a:r>
+              <a:rPr lang="en-US" dirty="0" err="1">
+                <a:sym typeface="Wingdings" panose="05000000000000000000" pitchFamily="2" charset="2"/>
+              </a:rPr>
+              <a:t>RequestMapping</a:t>
+            </a:r>
+            <a:r>
+              <a:rPr lang="en-US" dirty="0">
+                <a:sym typeface="Wingdings" panose="05000000000000000000" pitchFamily="2" charset="2"/>
+              </a:rPr>
+              <a:t>  class/method</a:t>
+            </a:r>
+          </a:p>
+          <a:p>
+            <a:pPr lvl="1"/>
+            <a:r>
+              <a:rPr lang="en-US" dirty="0">
+                <a:sym typeface="Wingdings" panose="05000000000000000000" pitchFamily="2" charset="2"/>
+              </a:rPr>
+              <a:t>@</a:t>
+            </a:r>
+            <a:r>
+              <a:rPr lang="en-US" dirty="0" err="1">
+                <a:sym typeface="Wingdings" panose="05000000000000000000" pitchFamily="2" charset="2"/>
+              </a:rPr>
+              <a:t>Getmapping</a:t>
+            </a:r>
+            <a:r>
+              <a:rPr lang="en-US" dirty="0">
+                <a:sym typeface="Wingdings" panose="05000000000000000000" pitchFamily="2" charset="2"/>
+              </a:rPr>
+              <a:t> get resource from server</a:t>
+            </a:r>
+          </a:p>
+          <a:p>
+            <a:pPr lvl="1"/>
+            <a:r>
+              <a:rPr lang="en-US" dirty="0">
+                <a:sym typeface="Wingdings" panose="05000000000000000000" pitchFamily="2" charset="2"/>
+              </a:rPr>
+              <a:t>@</a:t>
+            </a:r>
+            <a:r>
+              <a:rPr lang="en-US" dirty="0" err="1">
+                <a:sym typeface="Wingdings" panose="05000000000000000000" pitchFamily="2" charset="2"/>
+              </a:rPr>
+              <a:t>PostMapping</a:t>
+            </a:r>
+            <a:r>
+              <a:rPr lang="en-US" dirty="0">
+                <a:sym typeface="Wingdings" panose="05000000000000000000" pitchFamily="2" charset="2"/>
+              </a:rPr>
+              <a:t>  create resource into server</a:t>
+            </a:r>
+          </a:p>
+          <a:p>
+            <a:pPr lvl="1"/>
+            <a:r>
+              <a:rPr lang="en-US" dirty="0">
+                <a:sym typeface="Wingdings" panose="05000000000000000000" pitchFamily="2" charset="2"/>
+              </a:rPr>
+              <a:t>@</a:t>
+            </a:r>
+            <a:r>
+              <a:rPr lang="en-US" dirty="0" err="1">
+                <a:sym typeface="Wingdings" panose="05000000000000000000" pitchFamily="2" charset="2"/>
+              </a:rPr>
+              <a:t>PutMapping</a:t>
+            </a:r>
+            <a:r>
+              <a:rPr lang="en-US" dirty="0">
+                <a:sym typeface="Wingdings" panose="05000000000000000000" pitchFamily="2" charset="2"/>
+              </a:rPr>
+              <a:t>  create/update resource</a:t>
+            </a:r>
+          </a:p>
+          <a:p>
+            <a:pPr lvl="1"/>
+            <a:r>
+              <a:rPr lang="en-US" dirty="0">
+                <a:sym typeface="Wingdings" panose="05000000000000000000" pitchFamily="2" charset="2"/>
+              </a:rPr>
+              <a:t>@</a:t>
+            </a:r>
+            <a:r>
+              <a:rPr lang="en-US" dirty="0" err="1">
+                <a:sym typeface="Wingdings" panose="05000000000000000000" pitchFamily="2" charset="2"/>
+              </a:rPr>
+              <a:t>DeleteMapping</a:t>
+            </a:r>
+            <a:r>
+              <a:rPr lang="en-US" dirty="0">
+                <a:sym typeface="Wingdings" panose="05000000000000000000" pitchFamily="2" charset="2"/>
+              </a:rPr>
+              <a:t>  delete resource</a:t>
+            </a:r>
+          </a:p>
+          <a:p>
+            <a:pPr lvl="1"/>
+            <a:r>
+              <a:rPr lang="en-US" dirty="0">
+                <a:sym typeface="Wingdings" panose="05000000000000000000" pitchFamily="2" charset="2"/>
+              </a:rPr>
+              <a:t>@</a:t>
+            </a:r>
+            <a:r>
+              <a:rPr lang="en-US" dirty="0" err="1">
+                <a:sym typeface="Wingdings" panose="05000000000000000000" pitchFamily="2" charset="2"/>
+              </a:rPr>
+              <a:t>PatchMapping</a:t>
+            </a:r>
+            <a:r>
+              <a:rPr lang="en-US" dirty="0">
+                <a:sym typeface="Wingdings" panose="05000000000000000000" pitchFamily="2" charset="2"/>
+              </a:rPr>
+              <a:t>  partial update</a:t>
+            </a:r>
+          </a:p>
+          <a:p>
+            <a:r>
+              <a:rPr lang="en-US" dirty="0" err="1">
+                <a:sym typeface="Wingdings" panose="05000000000000000000" pitchFamily="2" charset="2"/>
+              </a:rPr>
+              <a:t>ResponseEntity</a:t>
+            </a:r>
+            <a:r>
+              <a:rPr lang="en-US" dirty="0">
+                <a:sym typeface="Wingdings" panose="05000000000000000000" pitchFamily="2" charset="2"/>
+              </a:rPr>
+              <a:t>  Java json + </a:t>
+            </a:r>
+            <a:r>
+              <a:rPr lang="en-US" dirty="0" err="1">
+                <a:sym typeface="Wingdings" panose="05000000000000000000" pitchFamily="2" charset="2"/>
+              </a:rPr>
+              <a:t>httpStatus</a:t>
+            </a:r>
+            <a:endParaRPr lang="en-US" dirty="0"/>
+          </a:p>
+        </p:txBody>
+      </p:sp>
+    </p:spTree>
+    <p:extLst>
+      <p:ext uri="{BB962C8B-B14F-4D97-AF65-F5344CB8AC3E}">
+        <p14:creationId xmlns:p14="http://schemas.microsoft.com/office/powerpoint/2010/main" val="1745250416"/>
+      </p:ext>
+    </p:extLst>
+  </p:cSld>
+  <p:clrMapOvr>
+    <a:masterClrMapping/>
+  </p:clrMapOvr>
+</p:sld>
+</file>
+
+<file path=ppt/slides/slide64.xml><?xml version="1.0" encoding="utf-8"?>
+<p:sld xmlns:a="http://schemas.openxmlformats.org/drawingml/2006/main" xmlns:r="http://schemas.openxmlformats.org/officeDocument/2006/relationships" xmlns:p="http://schemas.openxmlformats.org/presentationml/2006/main">
+  <p:cSld>
+    <p:spTree>
+      <p:nvGrpSpPr>
+        <p:cNvPr id="1" name=""/>
+        <p:cNvGrpSpPr/>
+        <p:nvPr/>
+      </p:nvGrpSpPr>
+      <p:grpSpPr>
+        <a:xfrm>
+          <a:off x="0" y="0"/>
+          <a:ext cx="0" cy="0"/>
+          <a:chOff x="0" y="0"/>
+          <a:chExt cx="0" cy="0"/>
+        </a:xfrm>
+      </p:grpSpPr>
+      <p:sp>
+        <p:nvSpPr>
+          <p:cNvPr id="2" name="Title 1">
+            <a:extLst>
+              <a:ext uri="{FF2B5EF4-FFF2-40B4-BE49-F238E27FC236}">
+                <a16:creationId xmlns:a16="http://schemas.microsoft.com/office/drawing/2014/main" id="{3BBCCE20-2636-4E82-9D52-5A2187BDB4DC}"/>
+              </a:ext>
+            </a:extLst>
+          </p:cNvPr>
+          <p:cNvSpPr>
+            <a:spLocks noGrp="1"/>
+          </p:cNvSpPr>
+          <p:nvPr>
+            <p:ph type="title"/>
+          </p:nvPr>
+        </p:nvSpPr>
+        <p:spPr/>
+        <p:txBody>
+          <a:bodyPr/>
+          <a:lstStyle/>
+          <a:p>
+            <a:r>
+              <a:rPr lang="en-US" dirty="0"/>
+              <a:t>Task</a:t>
+            </a:r>
+          </a:p>
+        </p:txBody>
+      </p:sp>
+      <p:sp>
+        <p:nvSpPr>
+          <p:cNvPr id="3" name="Content Placeholder 2">
+            <a:extLst>
+              <a:ext uri="{FF2B5EF4-FFF2-40B4-BE49-F238E27FC236}">
+                <a16:creationId xmlns:a16="http://schemas.microsoft.com/office/drawing/2014/main" id="{7D44B7B7-D5D5-452F-9CC4-E17CC716754A}"/>
+              </a:ext>
+            </a:extLst>
+          </p:cNvPr>
+          <p:cNvSpPr>
+            <a:spLocks noGrp="1"/>
+          </p:cNvSpPr>
+          <p:nvPr>
+            <p:ph idx="1"/>
+          </p:nvPr>
+        </p:nvSpPr>
+        <p:spPr/>
+        <p:txBody>
+          <a:bodyPr/>
+          <a:lstStyle/>
+          <a:p>
+            <a:r>
+              <a:rPr lang="en-US" dirty="0"/>
+              <a:t>REST Response</a:t>
+            </a:r>
+          </a:p>
+          <a:p>
+            <a:pPr lvl="1"/>
+            <a:r>
+              <a:rPr lang="en-US" dirty="0"/>
+              <a:t>XML</a:t>
+            </a:r>
+          </a:p>
+          <a:p>
+            <a:r>
+              <a:rPr lang="en-US" dirty="0"/>
+              <a:t>Complete the below Mapping</a:t>
+            </a:r>
+          </a:p>
+          <a:p>
+            <a:pPr lvl="1"/>
+            <a:r>
+              <a:rPr lang="en-US" dirty="0"/>
+              <a:t>@</a:t>
+            </a:r>
+            <a:r>
+              <a:rPr lang="en-US" dirty="0" err="1"/>
+              <a:t>PostMapping</a:t>
+            </a:r>
+            <a:r>
+              <a:rPr lang="en-US" dirty="0"/>
+              <a:t>("/product")</a:t>
+            </a:r>
+          </a:p>
+          <a:p>
+            <a:pPr lvl="2"/>
+            <a:r>
+              <a:rPr lang="en-US" dirty="0"/>
+              <a:t>@</a:t>
+            </a:r>
+            <a:r>
+              <a:rPr lang="en-US" dirty="0" err="1"/>
+              <a:t>RequestBody</a:t>
+            </a:r>
+            <a:endParaRPr lang="en-US" dirty="0"/>
+          </a:p>
+          <a:p>
+            <a:pPr lvl="1"/>
+            <a:r>
+              <a:rPr lang="en-US" dirty="0"/>
+              <a:t>@</a:t>
+            </a:r>
+            <a:r>
+              <a:rPr lang="en-US" dirty="0" err="1"/>
+              <a:t>PutMapping</a:t>
+            </a:r>
+            <a:r>
+              <a:rPr lang="en-US" dirty="0"/>
+              <a:t>("/product")</a:t>
+            </a:r>
+          </a:p>
+          <a:p>
+            <a:pPr lvl="1"/>
+            <a:r>
+              <a:rPr lang="en-US" dirty="0"/>
+              <a:t>@</a:t>
+            </a:r>
+            <a:r>
+              <a:rPr lang="en-US" dirty="0" err="1"/>
+              <a:t>PatchMapping</a:t>
+            </a:r>
+            <a:r>
+              <a:rPr lang="en-US" dirty="0"/>
+              <a:t>("/product")</a:t>
+            </a:r>
+          </a:p>
+          <a:p>
+            <a:r>
+              <a:rPr lang="en-US" dirty="0"/>
+              <a:t>Swagger </a:t>
+            </a:r>
+            <a:r>
+              <a:rPr lang="en-US"/>
+              <a:t>Imple</a:t>
+            </a:r>
+            <a:endParaRPr lang="en-US" dirty="0"/>
+          </a:p>
+          <a:p>
+            <a:endParaRPr lang="en-US" dirty="0"/>
+          </a:p>
+        </p:txBody>
+      </p:sp>
+    </p:spTree>
+    <p:extLst>
+      <p:ext uri="{BB962C8B-B14F-4D97-AF65-F5344CB8AC3E}">
+        <p14:creationId xmlns:p14="http://schemas.microsoft.com/office/powerpoint/2010/main" val="3922890763"/>
       </p:ext>
     </p:extLst>
   </p:cSld>

--- a/Finishing School.pptx
+++ b/Finishing School.pptx
@@ -69,6 +69,12 @@
     <p:sldId id="318" r:id="rId63"/>
     <p:sldId id="317" r:id="rId64"/>
     <p:sldId id="319" r:id="rId65"/>
+    <p:sldId id="320" r:id="rId66"/>
+    <p:sldId id="321" r:id="rId67"/>
+    <p:sldId id="322" r:id="rId68"/>
+    <p:sldId id="323" r:id="rId69"/>
+    <p:sldId id="324" r:id="rId70"/>
+    <p:sldId id="325" r:id="rId71"/>
   </p:sldIdLst>
   <p:sldSz cx="12192000" cy="6858000"/>
   <p:notesSz cx="6858000" cy="9144000"/>
@@ -322,7 +328,7 @@
           <a:p>
             <a:fld id="{01BA93E5-CB67-46C9-BF51-34D2B5C6AB3D}" type="datetimeFigureOut">
               <a:rPr lang="en-US" smtClean="0"/>
-              <a:t>6/3/2020</a:t>
+              <a:t>6/5/2020</a:t>
             </a:fld>
             <a:endParaRPr lang="en-US"/>
           </a:p>
@@ -520,7 +526,7 @@
           <a:p>
             <a:fld id="{01BA93E5-CB67-46C9-BF51-34D2B5C6AB3D}" type="datetimeFigureOut">
               <a:rPr lang="en-US" smtClean="0"/>
-              <a:t>6/3/2020</a:t>
+              <a:t>6/5/2020</a:t>
             </a:fld>
             <a:endParaRPr lang="en-US"/>
           </a:p>
@@ -728,7 +734,7 @@
           <a:p>
             <a:fld id="{01BA93E5-CB67-46C9-BF51-34D2B5C6AB3D}" type="datetimeFigureOut">
               <a:rPr lang="en-US" smtClean="0"/>
-              <a:t>6/3/2020</a:t>
+              <a:t>6/5/2020</a:t>
             </a:fld>
             <a:endParaRPr lang="en-US"/>
           </a:p>
@@ -926,7 +932,7 @@
           <a:p>
             <a:fld id="{01BA93E5-CB67-46C9-BF51-34D2B5C6AB3D}" type="datetimeFigureOut">
               <a:rPr lang="en-US" smtClean="0"/>
-              <a:t>6/3/2020</a:t>
+              <a:t>6/5/2020</a:t>
             </a:fld>
             <a:endParaRPr lang="en-US"/>
           </a:p>
@@ -1201,7 +1207,7 @@
           <a:p>
             <a:fld id="{01BA93E5-CB67-46C9-BF51-34D2B5C6AB3D}" type="datetimeFigureOut">
               <a:rPr lang="en-US" smtClean="0"/>
-              <a:t>6/3/2020</a:t>
+              <a:t>6/5/2020</a:t>
             </a:fld>
             <a:endParaRPr lang="en-US"/>
           </a:p>
@@ -1466,7 +1472,7 @@
           <a:p>
             <a:fld id="{01BA93E5-CB67-46C9-BF51-34D2B5C6AB3D}" type="datetimeFigureOut">
               <a:rPr lang="en-US" smtClean="0"/>
-              <a:t>6/3/2020</a:t>
+              <a:t>6/5/2020</a:t>
             </a:fld>
             <a:endParaRPr lang="en-US"/>
           </a:p>
@@ -1878,7 +1884,7 @@
           <a:p>
             <a:fld id="{01BA93E5-CB67-46C9-BF51-34D2B5C6AB3D}" type="datetimeFigureOut">
               <a:rPr lang="en-US" smtClean="0"/>
-              <a:t>6/3/2020</a:t>
+              <a:t>6/5/2020</a:t>
             </a:fld>
             <a:endParaRPr lang="en-US"/>
           </a:p>
@@ -2019,7 +2025,7 @@
           <a:p>
             <a:fld id="{01BA93E5-CB67-46C9-BF51-34D2B5C6AB3D}" type="datetimeFigureOut">
               <a:rPr lang="en-US" smtClean="0"/>
-              <a:t>6/3/2020</a:t>
+              <a:t>6/5/2020</a:t>
             </a:fld>
             <a:endParaRPr lang="en-US"/>
           </a:p>
@@ -2132,7 +2138,7 @@
           <a:p>
             <a:fld id="{01BA93E5-CB67-46C9-BF51-34D2B5C6AB3D}" type="datetimeFigureOut">
               <a:rPr lang="en-US" smtClean="0"/>
-              <a:t>6/3/2020</a:t>
+              <a:t>6/5/2020</a:t>
             </a:fld>
             <a:endParaRPr lang="en-US"/>
           </a:p>
@@ -2443,7 +2449,7 @@
           <a:p>
             <a:fld id="{01BA93E5-CB67-46C9-BF51-34D2B5C6AB3D}" type="datetimeFigureOut">
               <a:rPr lang="en-US" smtClean="0"/>
-              <a:t>6/3/2020</a:t>
+              <a:t>6/5/2020</a:t>
             </a:fld>
             <a:endParaRPr lang="en-US"/>
           </a:p>
@@ -2731,7 +2737,7 @@
           <a:p>
             <a:fld id="{01BA93E5-CB67-46C9-BF51-34D2B5C6AB3D}" type="datetimeFigureOut">
               <a:rPr lang="en-US" smtClean="0"/>
-              <a:t>6/3/2020</a:t>
+              <a:t>6/5/2020</a:t>
             </a:fld>
             <a:endParaRPr lang="en-US"/>
           </a:p>
@@ -2972,7 +2978,7 @@
           <a:p>
             <a:fld id="{01BA93E5-CB67-46C9-BF51-34D2B5C6AB3D}" type="datetimeFigureOut">
               <a:rPr lang="en-US" smtClean="0"/>
-              <a:t>6/3/2020</a:t>
+              <a:t>6/5/2020</a:t>
             </a:fld>
             <a:endParaRPr lang="en-US"/>
           </a:p>
@@ -24608,7 +24614,7 @@
               <a:t>Swagger </a:t>
             </a:r>
             <a:r>
-              <a:rPr lang="en-US"/>
+              <a:rPr lang="en-US" dirty="0" err="1"/>
               <a:t>Imple</a:t>
             </a:r>
             <a:endParaRPr lang="en-US" dirty="0"/>
@@ -24622,6 +24628,1342 @@
     <p:extLst>
       <p:ext uri="{BB962C8B-B14F-4D97-AF65-F5344CB8AC3E}">
         <p14:creationId xmlns:p14="http://schemas.microsoft.com/office/powerpoint/2010/main" val="3922890763"/>
+      </p:ext>
+    </p:extLst>
+  </p:cSld>
+  <p:clrMapOvr>
+    <a:masterClrMapping/>
+  </p:clrMapOvr>
+</p:sld>
+</file>
+
+<file path=ppt/slides/slide65.xml><?xml version="1.0" encoding="utf-8"?>
+<p:sld xmlns:a="http://schemas.openxmlformats.org/drawingml/2006/main" xmlns:r="http://schemas.openxmlformats.org/officeDocument/2006/relationships" xmlns:p="http://schemas.openxmlformats.org/presentationml/2006/main">
+  <p:cSld>
+    <p:spTree>
+      <p:nvGrpSpPr>
+        <p:cNvPr id="1" name=""/>
+        <p:cNvGrpSpPr/>
+        <p:nvPr/>
+      </p:nvGrpSpPr>
+      <p:grpSpPr>
+        <a:xfrm>
+          <a:off x="0" y="0"/>
+          <a:ext cx="0" cy="0"/>
+          <a:chOff x="0" y="0"/>
+          <a:chExt cx="0" cy="0"/>
+        </a:xfrm>
+      </p:grpSpPr>
+      <p:sp>
+        <p:nvSpPr>
+          <p:cNvPr id="2" name="Title 1">
+            <a:extLst>
+              <a:ext uri="{FF2B5EF4-FFF2-40B4-BE49-F238E27FC236}">
+                <a16:creationId xmlns:a16="http://schemas.microsoft.com/office/drawing/2014/main" id="{8E911149-2060-4A05-AED4-6628DEFCF3AA}"/>
+              </a:ext>
+            </a:extLst>
+          </p:cNvPr>
+          <p:cNvSpPr>
+            <a:spLocks noGrp="1"/>
+          </p:cNvSpPr>
+          <p:nvPr>
+            <p:ph type="title"/>
+          </p:nvPr>
+        </p:nvSpPr>
+        <p:spPr/>
+        <p:txBody>
+          <a:bodyPr/>
+          <a:lstStyle/>
+          <a:p>
+            <a:r>
+              <a:rPr lang="en-US" dirty="0"/>
+              <a:t>Swagger2</a:t>
+            </a:r>
+          </a:p>
+        </p:txBody>
+      </p:sp>
+      <p:sp>
+        <p:nvSpPr>
+          <p:cNvPr id="3" name="Content Placeholder 2">
+            <a:extLst>
+              <a:ext uri="{FF2B5EF4-FFF2-40B4-BE49-F238E27FC236}">
+                <a16:creationId xmlns:a16="http://schemas.microsoft.com/office/drawing/2014/main" id="{318F6602-B6CC-4651-B2BB-80D8CE85AD3B}"/>
+              </a:ext>
+            </a:extLst>
+          </p:cNvPr>
+          <p:cNvSpPr>
+            <a:spLocks noGrp="1"/>
+          </p:cNvSpPr>
+          <p:nvPr>
+            <p:ph idx="1"/>
+          </p:nvPr>
+        </p:nvSpPr>
+        <p:spPr/>
+        <p:txBody>
+          <a:bodyPr/>
+          <a:lstStyle/>
+          <a:p>
+            <a:r>
+              <a:rPr lang="en-US" dirty="0" err="1"/>
+              <a:t>Api</a:t>
+            </a:r>
+            <a:r>
+              <a:rPr lang="en-US" dirty="0"/>
+              <a:t> Orchestration</a:t>
+            </a:r>
+          </a:p>
+          <a:p>
+            <a:r>
+              <a:rPr lang="en-US" dirty="0"/>
+              <a:t>Documentation</a:t>
+            </a:r>
+          </a:p>
+          <a:p>
+            <a:pPr lvl="1"/>
+            <a:r>
+              <a:rPr lang="en-US" dirty="0"/>
+              <a:t>Describe</a:t>
+            </a:r>
+          </a:p>
+          <a:p>
+            <a:pPr lvl="1"/>
+            <a:r>
+              <a:rPr lang="en-US" dirty="0"/>
+              <a:t>Input</a:t>
+            </a:r>
+          </a:p>
+          <a:p>
+            <a:pPr lvl="1"/>
+            <a:r>
+              <a:rPr lang="en-US" dirty="0"/>
+              <a:t>Return</a:t>
+            </a:r>
+          </a:p>
+          <a:p>
+            <a:pPr lvl="1"/>
+            <a:r>
+              <a:rPr lang="en-US" dirty="0"/>
+              <a:t>Example</a:t>
+            </a:r>
+          </a:p>
+          <a:p>
+            <a:pPr lvl="1"/>
+            <a:r>
+              <a:rPr lang="en-US" dirty="0"/>
+              <a:t>Type</a:t>
+            </a:r>
+          </a:p>
+          <a:p>
+            <a:r>
+              <a:rPr lang="en-US" dirty="0"/>
+              <a:t>Swagger UI</a:t>
+            </a:r>
+          </a:p>
+          <a:p>
+            <a:endParaRPr lang="en-US" dirty="0"/>
+          </a:p>
+        </p:txBody>
+      </p:sp>
+    </p:spTree>
+    <p:extLst>
+      <p:ext uri="{BB962C8B-B14F-4D97-AF65-F5344CB8AC3E}">
+        <p14:creationId xmlns:p14="http://schemas.microsoft.com/office/powerpoint/2010/main" val="3789847337"/>
+      </p:ext>
+    </p:extLst>
+  </p:cSld>
+  <p:clrMapOvr>
+    <a:masterClrMapping/>
+  </p:clrMapOvr>
+</p:sld>
+</file>
+
+<file path=ppt/slides/slide66.xml><?xml version="1.0" encoding="utf-8"?>
+<p:sld xmlns:a="http://schemas.openxmlformats.org/drawingml/2006/main" xmlns:r="http://schemas.openxmlformats.org/officeDocument/2006/relationships" xmlns:p="http://schemas.openxmlformats.org/presentationml/2006/main">
+  <p:cSld>
+    <p:spTree>
+      <p:nvGrpSpPr>
+        <p:cNvPr id="1" name=""/>
+        <p:cNvGrpSpPr/>
+        <p:nvPr/>
+      </p:nvGrpSpPr>
+      <p:grpSpPr>
+        <a:xfrm>
+          <a:off x="0" y="0"/>
+          <a:ext cx="0" cy="0"/>
+          <a:chOff x="0" y="0"/>
+          <a:chExt cx="0" cy="0"/>
+        </a:xfrm>
+      </p:grpSpPr>
+      <p:sp>
+        <p:nvSpPr>
+          <p:cNvPr id="2" name="Title 1">
+            <a:extLst>
+              <a:ext uri="{FF2B5EF4-FFF2-40B4-BE49-F238E27FC236}">
+                <a16:creationId xmlns:a16="http://schemas.microsoft.com/office/drawing/2014/main" id="{2CC19C2F-86AB-4DBF-A122-5416BBAE12D8}"/>
+              </a:ext>
+            </a:extLst>
+          </p:cNvPr>
+          <p:cNvSpPr>
+            <a:spLocks noGrp="1"/>
+          </p:cNvSpPr>
+          <p:nvPr>
+            <p:ph type="title"/>
+          </p:nvPr>
+        </p:nvSpPr>
+        <p:spPr/>
+        <p:txBody>
+          <a:bodyPr/>
+          <a:lstStyle/>
+          <a:p>
+            <a:r>
+              <a:rPr lang="en-US" dirty="0"/>
+              <a:t>Swagger implementation</a:t>
+            </a:r>
+          </a:p>
+        </p:txBody>
+      </p:sp>
+      <p:sp>
+        <p:nvSpPr>
+          <p:cNvPr id="3" name="Content Placeholder 2">
+            <a:extLst>
+              <a:ext uri="{FF2B5EF4-FFF2-40B4-BE49-F238E27FC236}">
+                <a16:creationId xmlns:a16="http://schemas.microsoft.com/office/drawing/2014/main" id="{E746E882-253A-46E9-887C-A4C9FA976CE5}"/>
+              </a:ext>
+            </a:extLst>
+          </p:cNvPr>
+          <p:cNvSpPr>
+            <a:spLocks noGrp="1"/>
+          </p:cNvSpPr>
+          <p:nvPr>
+            <p:ph idx="1"/>
+          </p:nvPr>
+        </p:nvSpPr>
+        <p:spPr/>
+        <p:txBody>
+          <a:bodyPr>
+            <a:normAutofit fontScale="92500" lnSpcReduction="10000"/>
+          </a:bodyPr>
+          <a:lstStyle/>
+          <a:p>
+            <a:r>
+              <a:rPr lang="en-US" dirty="0"/>
+              <a:t>Swagger Dependency</a:t>
+            </a:r>
+          </a:p>
+          <a:p>
+            <a:r>
+              <a:rPr lang="en-US" dirty="0" err="1"/>
+              <a:t>SwaggerConfiguration</a:t>
+            </a:r>
+            <a:endParaRPr lang="en-US" dirty="0"/>
+          </a:p>
+          <a:p>
+            <a:pPr lvl="1"/>
+            <a:r>
+              <a:rPr lang="en-US" dirty="0"/>
+              <a:t>@EnableSwagger2</a:t>
+            </a:r>
+          </a:p>
+          <a:p>
+            <a:pPr lvl="1"/>
+            <a:r>
+              <a:rPr lang="en-US" dirty="0"/>
+              <a:t>@Configurations</a:t>
+            </a:r>
+          </a:p>
+          <a:p>
+            <a:r>
+              <a:rPr lang="en-US" dirty="0"/>
+              <a:t>Resource Handler </a:t>
+            </a:r>
+            <a:r>
+              <a:rPr lang="en-US" dirty="0">
+                <a:sym typeface="Wingdings" panose="05000000000000000000" pitchFamily="2" charset="2"/>
+              </a:rPr>
+              <a:t> Swagger-ui.html</a:t>
+            </a:r>
+          </a:p>
+          <a:p>
+            <a:r>
+              <a:rPr lang="en-US" dirty="0" err="1">
+                <a:sym typeface="Wingdings" panose="05000000000000000000" pitchFamily="2" charset="2"/>
+              </a:rPr>
+              <a:t>DocketBean</a:t>
+            </a:r>
+            <a:r>
+              <a:rPr lang="en-US" dirty="0">
+                <a:sym typeface="Wingdings" panose="05000000000000000000" pitchFamily="2" charset="2"/>
+              </a:rPr>
+              <a:t> Customize Swagger</a:t>
+            </a:r>
+          </a:p>
+          <a:p>
+            <a:pPr lvl="1"/>
+            <a:r>
+              <a:rPr lang="en-US" dirty="0" err="1">
+                <a:sym typeface="Wingdings" panose="05000000000000000000" pitchFamily="2" charset="2"/>
+              </a:rPr>
+              <a:t>Basepackage</a:t>
+            </a:r>
+            <a:endParaRPr lang="en-US" dirty="0">
+              <a:sym typeface="Wingdings" panose="05000000000000000000" pitchFamily="2" charset="2"/>
+            </a:endParaRPr>
+          </a:p>
+          <a:p>
+            <a:pPr lvl="1"/>
+            <a:r>
+              <a:rPr lang="en-US" dirty="0">
+                <a:sym typeface="Wingdings" panose="05000000000000000000" pitchFamily="2" charset="2"/>
+              </a:rPr>
+              <a:t>Path</a:t>
+            </a:r>
+          </a:p>
+          <a:p>
+            <a:pPr lvl="1"/>
+            <a:r>
+              <a:rPr lang="en-US" dirty="0">
+                <a:sym typeface="Wingdings" panose="05000000000000000000" pitchFamily="2" charset="2"/>
+              </a:rPr>
+              <a:t>API info</a:t>
+            </a:r>
+          </a:p>
+          <a:p>
+            <a:r>
+              <a:rPr lang="en-US" dirty="0">
+                <a:sym typeface="Wingdings" panose="05000000000000000000" pitchFamily="2" charset="2"/>
+              </a:rPr>
+              <a:t>Annotations</a:t>
+            </a:r>
+          </a:p>
+          <a:p>
+            <a:pPr lvl="1"/>
+            <a:r>
+              <a:rPr lang="en-US" dirty="0" err="1">
+                <a:sym typeface="Wingdings" panose="05000000000000000000" pitchFamily="2" charset="2"/>
+              </a:rPr>
+              <a:t>Api</a:t>
+            </a:r>
+            <a:r>
+              <a:rPr lang="en-US" dirty="0">
+                <a:sym typeface="Wingdings" panose="05000000000000000000" pitchFamily="2" charset="2"/>
+              </a:rPr>
+              <a:t> </a:t>
+            </a:r>
+            <a:endParaRPr lang="en-US" dirty="0"/>
+          </a:p>
+        </p:txBody>
+      </p:sp>
+    </p:spTree>
+    <p:extLst>
+      <p:ext uri="{BB962C8B-B14F-4D97-AF65-F5344CB8AC3E}">
+        <p14:creationId xmlns:p14="http://schemas.microsoft.com/office/powerpoint/2010/main" val="2388033075"/>
+      </p:ext>
+    </p:extLst>
+  </p:cSld>
+  <p:clrMapOvr>
+    <a:masterClrMapping/>
+  </p:clrMapOvr>
+</p:sld>
+</file>
+
+<file path=ppt/slides/slide67.xml><?xml version="1.0" encoding="utf-8"?>
+<p:sld xmlns:a="http://schemas.openxmlformats.org/drawingml/2006/main" xmlns:r="http://schemas.openxmlformats.org/officeDocument/2006/relationships" xmlns:p="http://schemas.openxmlformats.org/presentationml/2006/main">
+  <p:cSld>
+    <p:spTree>
+      <p:nvGrpSpPr>
+        <p:cNvPr id="1" name=""/>
+        <p:cNvGrpSpPr/>
+        <p:nvPr/>
+      </p:nvGrpSpPr>
+      <p:grpSpPr>
+        <a:xfrm>
+          <a:off x="0" y="0"/>
+          <a:ext cx="0" cy="0"/>
+          <a:chOff x="0" y="0"/>
+          <a:chExt cx="0" cy="0"/>
+        </a:xfrm>
+      </p:grpSpPr>
+      <p:sp>
+        <p:nvSpPr>
+          <p:cNvPr id="2" name="Title 1">
+            <a:extLst>
+              <a:ext uri="{FF2B5EF4-FFF2-40B4-BE49-F238E27FC236}">
+                <a16:creationId xmlns:a16="http://schemas.microsoft.com/office/drawing/2014/main" id="{97945116-4B31-44B7-AA48-7A60A5E9C1D1}"/>
+              </a:ext>
+            </a:extLst>
+          </p:cNvPr>
+          <p:cNvSpPr>
+            <a:spLocks noGrp="1"/>
+          </p:cNvSpPr>
+          <p:nvPr>
+            <p:ph type="title"/>
+          </p:nvPr>
+        </p:nvSpPr>
+        <p:spPr/>
+        <p:txBody>
+          <a:bodyPr/>
+          <a:lstStyle/>
+          <a:p>
+            <a:r>
+              <a:rPr lang="en-US" dirty="0"/>
+              <a:t>Spring ORM</a:t>
+            </a:r>
+          </a:p>
+        </p:txBody>
+      </p:sp>
+      <p:sp>
+        <p:nvSpPr>
+          <p:cNvPr id="3" name="Content Placeholder 2">
+            <a:extLst>
+              <a:ext uri="{FF2B5EF4-FFF2-40B4-BE49-F238E27FC236}">
+                <a16:creationId xmlns:a16="http://schemas.microsoft.com/office/drawing/2014/main" id="{B926E9A4-47CA-43F6-B69C-09F2758227BA}"/>
+              </a:ext>
+            </a:extLst>
+          </p:cNvPr>
+          <p:cNvSpPr>
+            <a:spLocks noGrp="1"/>
+          </p:cNvSpPr>
+          <p:nvPr>
+            <p:ph idx="1"/>
+          </p:nvPr>
+        </p:nvSpPr>
+        <p:spPr/>
+        <p:txBody>
+          <a:bodyPr/>
+          <a:lstStyle/>
+          <a:p>
+            <a:r>
+              <a:rPr lang="en-US" dirty="0"/>
+              <a:t>ORM </a:t>
+            </a:r>
+            <a:r>
+              <a:rPr lang="en-US" dirty="0">
+                <a:sym typeface="Wingdings" panose="05000000000000000000" pitchFamily="2" charset="2"/>
+              </a:rPr>
+              <a:t> Object Relation Mapping</a:t>
+            </a:r>
+          </a:p>
+          <a:p>
+            <a:r>
+              <a:rPr lang="en-US" dirty="0">
+                <a:sym typeface="Wingdings" panose="05000000000000000000" pitchFamily="2" charset="2"/>
+              </a:rPr>
+              <a:t>Without DB SQL</a:t>
+            </a:r>
+          </a:p>
+          <a:p>
+            <a:r>
+              <a:rPr lang="en-US" dirty="0"/>
+              <a:t>Connection Handled by Framework</a:t>
+            </a:r>
+          </a:p>
+          <a:p>
+            <a:r>
+              <a:rPr lang="en-US" dirty="0"/>
+              <a:t>Transactions  Handled by Framework</a:t>
+            </a:r>
+          </a:p>
+          <a:p>
+            <a:r>
+              <a:rPr lang="en-US" dirty="0"/>
+              <a:t>Exceptions Handled by Framework</a:t>
+            </a:r>
+          </a:p>
+          <a:p>
+            <a:endParaRPr lang="en-US" dirty="0"/>
+          </a:p>
+          <a:p>
+            <a:endParaRPr lang="en-US" dirty="0"/>
+          </a:p>
+        </p:txBody>
+      </p:sp>
+    </p:spTree>
+    <p:extLst>
+      <p:ext uri="{BB962C8B-B14F-4D97-AF65-F5344CB8AC3E}">
+        <p14:creationId xmlns:p14="http://schemas.microsoft.com/office/powerpoint/2010/main" val="1456474811"/>
+      </p:ext>
+    </p:extLst>
+  </p:cSld>
+  <p:clrMapOvr>
+    <a:masterClrMapping/>
+  </p:clrMapOvr>
+</p:sld>
+</file>
+
+<file path=ppt/slides/slide68.xml><?xml version="1.0" encoding="utf-8"?>
+<p:sld xmlns:a="http://schemas.openxmlformats.org/drawingml/2006/main" xmlns:r="http://schemas.openxmlformats.org/officeDocument/2006/relationships" xmlns:p="http://schemas.openxmlformats.org/presentationml/2006/main">
+  <p:cSld>
+    <p:spTree>
+      <p:nvGrpSpPr>
+        <p:cNvPr id="1" name=""/>
+        <p:cNvGrpSpPr/>
+        <p:nvPr/>
+      </p:nvGrpSpPr>
+      <p:grpSpPr>
+        <a:xfrm>
+          <a:off x="0" y="0"/>
+          <a:ext cx="0" cy="0"/>
+          <a:chOff x="0" y="0"/>
+          <a:chExt cx="0" cy="0"/>
+        </a:xfrm>
+      </p:grpSpPr>
+      <p:sp>
+        <p:nvSpPr>
+          <p:cNvPr id="2" name="Title 1">
+            <a:extLst>
+              <a:ext uri="{FF2B5EF4-FFF2-40B4-BE49-F238E27FC236}">
+                <a16:creationId xmlns:a16="http://schemas.microsoft.com/office/drawing/2014/main" id="{01B8FA90-44E1-4E2A-9E0D-407E8AEF3970}"/>
+              </a:ext>
+            </a:extLst>
+          </p:cNvPr>
+          <p:cNvSpPr>
+            <a:spLocks noGrp="1"/>
+          </p:cNvSpPr>
+          <p:nvPr>
+            <p:ph type="title"/>
+          </p:nvPr>
+        </p:nvSpPr>
+        <p:spPr/>
+        <p:txBody>
+          <a:bodyPr/>
+          <a:lstStyle/>
+          <a:p>
+            <a:r>
+              <a:rPr lang="en-US" dirty="0"/>
+              <a:t>Implementations</a:t>
+            </a:r>
+          </a:p>
+        </p:txBody>
+      </p:sp>
+      <p:sp>
+        <p:nvSpPr>
+          <p:cNvPr id="3" name="Content Placeholder 2">
+            <a:extLst>
+              <a:ext uri="{FF2B5EF4-FFF2-40B4-BE49-F238E27FC236}">
+                <a16:creationId xmlns:a16="http://schemas.microsoft.com/office/drawing/2014/main" id="{CAD6F313-8877-4AC5-831E-48C89C85953E}"/>
+              </a:ext>
+            </a:extLst>
+          </p:cNvPr>
+          <p:cNvSpPr>
+            <a:spLocks noGrp="1"/>
+          </p:cNvSpPr>
+          <p:nvPr>
+            <p:ph idx="1"/>
+          </p:nvPr>
+        </p:nvSpPr>
+        <p:spPr/>
+        <p:txBody>
+          <a:bodyPr>
+            <a:normAutofit lnSpcReduction="10000"/>
+          </a:bodyPr>
+          <a:lstStyle/>
+          <a:p>
+            <a:r>
+              <a:rPr lang="en-US" dirty="0">
+                <a:highlight>
+                  <a:srgbClr val="FFFF00"/>
+                </a:highlight>
+              </a:rPr>
+              <a:t>Jars </a:t>
+            </a:r>
+            <a:r>
+              <a:rPr lang="en-US" dirty="0">
+                <a:highlight>
+                  <a:srgbClr val="FFFF00"/>
+                </a:highlight>
+                <a:sym typeface="Wingdings" panose="05000000000000000000" pitchFamily="2" charset="2"/>
+              </a:rPr>
+              <a:t> </a:t>
+            </a:r>
+            <a:r>
+              <a:rPr lang="en-US" dirty="0" err="1">
+                <a:highlight>
+                  <a:srgbClr val="FFFF00"/>
+                </a:highlight>
+                <a:sym typeface="Wingdings" panose="05000000000000000000" pitchFamily="2" charset="2"/>
+              </a:rPr>
+              <a:t>db</a:t>
+            </a:r>
+            <a:r>
+              <a:rPr lang="en-US" dirty="0">
+                <a:highlight>
+                  <a:srgbClr val="FFFF00"/>
+                </a:highlight>
+                <a:sym typeface="Wingdings" panose="05000000000000000000" pitchFamily="2" charset="2"/>
+              </a:rPr>
+              <a:t>, </a:t>
+            </a:r>
+            <a:r>
+              <a:rPr lang="en-US" dirty="0" err="1">
+                <a:highlight>
+                  <a:srgbClr val="FFFF00"/>
+                </a:highlight>
+                <a:sym typeface="Wingdings" panose="05000000000000000000" pitchFamily="2" charset="2"/>
+              </a:rPr>
+              <a:t>orm</a:t>
+            </a:r>
+            <a:endParaRPr lang="en-US" dirty="0">
+              <a:highlight>
+                <a:srgbClr val="FFFF00"/>
+              </a:highlight>
+              <a:sym typeface="Wingdings" panose="05000000000000000000" pitchFamily="2" charset="2"/>
+            </a:endParaRPr>
+          </a:p>
+          <a:p>
+            <a:r>
+              <a:rPr lang="en-US" dirty="0">
+                <a:highlight>
+                  <a:srgbClr val="FFFF00"/>
+                </a:highlight>
+                <a:sym typeface="Wingdings" panose="05000000000000000000" pitchFamily="2" charset="2"/>
+              </a:rPr>
+              <a:t>Persistence.xml</a:t>
+            </a:r>
+          </a:p>
+          <a:p>
+            <a:r>
+              <a:rPr lang="en-US" dirty="0">
+                <a:highlight>
+                  <a:srgbClr val="FFFF00"/>
+                </a:highlight>
+                <a:sym typeface="Wingdings" panose="05000000000000000000" pitchFamily="2" charset="2"/>
+              </a:rPr>
+              <a:t>Beans</a:t>
+            </a:r>
+          </a:p>
+          <a:p>
+            <a:pPr lvl="1"/>
+            <a:r>
+              <a:rPr lang="en-US" dirty="0" err="1">
+                <a:highlight>
+                  <a:srgbClr val="FFFF00"/>
+                </a:highlight>
+                <a:sym typeface="Wingdings" panose="05000000000000000000" pitchFamily="2" charset="2"/>
+              </a:rPr>
+              <a:t>EntityManagerFactoryBean</a:t>
+            </a:r>
+            <a:endParaRPr lang="en-US" dirty="0">
+              <a:highlight>
+                <a:srgbClr val="FFFF00"/>
+              </a:highlight>
+              <a:sym typeface="Wingdings" panose="05000000000000000000" pitchFamily="2" charset="2"/>
+            </a:endParaRPr>
+          </a:p>
+          <a:p>
+            <a:pPr lvl="1"/>
+            <a:r>
+              <a:rPr lang="en-US" dirty="0">
+                <a:highlight>
+                  <a:srgbClr val="FFFF00"/>
+                </a:highlight>
+                <a:sym typeface="Wingdings" panose="05000000000000000000" pitchFamily="2" charset="2"/>
+              </a:rPr>
+              <a:t>Transactions</a:t>
+            </a:r>
+          </a:p>
+          <a:p>
+            <a:r>
+              <a:rPr lang="en-US" dirty="0">
+                <a:highlight>
+                  <a:srgbClr val="FFFF00"/>
+                </a:highlight>
+                <a:sym typeface="Wingdings" panose="05000000000000000000" pitchFamily="2" charset="2"/>
+              </a:rPr>
+              <a:t>Model  Entity</a:t>
+            </a:r>
+          </a:p>
+          <a:p>
+            <a:pPr lvl="1"/>
+            <a:r>
+              <a:rPr lang="en-US" dirty="0">
+                <a:highlight>
+                  <a:srgbClr val="FFFF00"/>
+                </a:highlight>
+                <a:sym typeface="Wingdings" panose="05000000000000000000" pitchFamily="2" charset="2"/>
+              </a:rPr>
+              <a:t>@Entity</a:t>
+            </a:r>
+          </a:p>
+          <a:p>
+            <a:pPr lvl="1"/>
+            <a:r>
+              <a:rPr lang="en-US" dirty="0">
+                <a:highlight>
+                  <a:srgbClr val="FFFF00"/>
+                </a:highlight>
+                <a:sym typeface="Wingdings" panose="05000000000000000000" pitchFamily="2" charset="2"/>
+              </a:rPr>
+              <a:t>@Id ….</a:t>
+            </a:r>
+          </a:p>
+          <a:p>
+            <a:r>
+              <a:rPr lang="en-US" dirty="0">
+                <a:highlight>
+                  <a:srgbClr val="FFFF00"/>
+                </a:highlight>
+                <a:sym typeface="Wingdings" panose="05000000000000000000" pitchFamily="2" charset="2"/>
+              </a:rPr>
+              <a:t>Dao Layer</a:t>
+            </a:r>
+          </a:p>
+          <a:p>
+            <a:pPr lvl="1"/>
+            <a:r>
+              <a:rPr lang="en-US" dirty="0">
+                <a:highlight>
+                  <a:srgbClr val="FFFF00"/>
+                </a:highlight>
+                <a:sym typeface="Wingdings" panose="05000000000000000000" pitchFamily="2" charset="2"/>
+              </a:rPr>
+              <a:t>@</a:t>
+            </a:r>
+            <a:r>
+              <a:rPr lang="en-US" dirty="0" err="1">
+                <a:highlight>
+                  <a:srgbClr val="FFFF00"/>
+                </a:highlight>
+                <a:sym typeface="Wingdings" panose="05000000000000000000" pitchFamily="2" charset="2"/>
+              </a:rPr>
+              <a:t>PersistenceContext</a:t>
+            </a:r>
+            <a:endParaRPr lang="en-US" dirty="0">
+              <a:highlight>
+                <a:srgbClr val="FFFF00"/>
+              </a:highlight>
+            </a:endParaRPr>
+          </a:p>
+        </p:txBody>
+      </p:sp>
+    </p:spTree>
+    <p:extLst>
+      <p:ext uri="{BB962C8B-B14F-4D97-AF65-F5344CB8AC3E}">
+        <p14:creationId xmlns:p14="http://schemas.microsoft.com/office/powerpoint/2010/main" val="2831816833"/>
+      </p:ext>
+    </p:extLst>
+  </p:cSld>
+  <p:clrMapOvr>
+    <a:masterClrMapping/>
+  </p:clrMapOvr>
+</p:sld>
+</file>
+
+<file path=ppt/slides/slide69.xml><?xml version="1.0" encoding="utf-8"?>
+<p:sld xmlns:a="http://schemas.openxmlformats.org/drawingml/2006/main" xmlns:r="http://schemas.openxmlformats.org/officeDocument/2006/relationships" xmlns:p="http://schemas.openxmlformats.org/presentationml/2006/main">
+  <p:cSld>
+    <p:spTree>
+      <p:nvGrpSpPr>
+        <p:cNvPr id="1" name=""/>
+        <p:cNvGrpSpPr/>
+        <p:nvPr/>
+      </p:nvGrpSpPr>
+      <p:grpSpPr>
+        <a:xfrm>
+          <a:off x="0" y="0"/>
+          <a:ext cx="0" cy="0"/>
+          <a:chOff x="0" y="0"/>
+          <a:chExt cx="0" cy="0"/>
+        </a:xfrm>
+      </p:grpSpPr>
+      <p:sp>
+        <p:nvSpPr>
+          <p:cNvPr id="2" name="Title 1">
+            <a:extLst>
+              <a:ext uri="{FF2B5EF4-FFF2-40B4-BE49-F238E27FC236}">
+                <a16:creationId xmlns:a16="http://schemas.microsoft.com/office/drawing/2014/main" id="{6DE4E888-F4E8-4F62-8885-2680891DB380}"/>
+              </a:ext>
+            </a:extLst>
+          </p:cNvPr>
+          <p:cNvSpPr>
+            <a:spLocks noGrp="1"/>
+          </p:cNvSpPr>
+          <p:nvPr>
+            <p:ph type="title"/>
+          </p:nvPr>
+        </p:nvSpPr>
+        <p:spPr/>
+        <p:txBody>
+          <a:bodyPr/>
+          <a:lstStyle/>
+          <a:p>
+            <a:r>
+              <a:rPr lang="en-US" dirty="0"/>
+              <a:t>Rest API </a:t>
+            </a:r>
+          </a:p>
+        </p:txBody>
+      </p:sp>
+      <p:sp>
+        <p:nvSpPr>
+          <p:cNvPr id="4" name="Rectangle 3">
+            <a:extLst>
+              <a:ext uri="{FF2B5EF4-FFF2-40B4-BE49-F238E27FC236}">
+                <a16:creationId xmlns:a16="http://schemas.microsoft.com/office/drawing/2014/main" id="{9C289C5E-3430-4C0D-BD42-71FBC1554C1D}"/>
+              </a:ext>
+            </a:extLst>
+          </p:cNvPr>
+          <p:cNvSpPr/>
+          <p:nvPr/>
+        </p:nvSpPr>
+        <p:spPr>
+          <a:xfrm>
+            <a:off x="2044557" y="1859622"/>
+            <a:ext cx="2537717" cy="2465798"/>
+          </a:xfrm>
+          <a:prstGeom prst="rect">
+            <a:avLst/>
+          </a:prstGeom>
+        </p:spPr>
+        <p:style>
+          <a:lnRef idx="2">
+            <a:schemeClr val="accent1">
+              <a:shade val="50000"/>
+            </a:schemeClr>
+          </a:lnRef>
+          <a:fillRef idx="1">
+            <a:schemeClr val="accent1"/>
+          </a:fillRef>
+          <a:effectRef idx="0">
+            <a:schemeClr val="accent1"/>
+          </a:effectRef>
+          <a:fontRef idx="minor">
+            <a:schemeClr val="lt1"/>
+          </a:fontRef>
+        </p:style>
+        <p:txBody>
+          <a:bodyPr rtlCol="0" anchor="ctr"/>
+          <a:lstStyle/>
+          <a:p>
+            <a:endParaRPr lang="en-US" dirty="0"/>
+          </a:p>
+          <a:p>
+            <a:endParaRPr lang="en-US" dirty="0"/>
+          </a:p>
+          <a:p>
+            <a:r>
+              <a:rPr lang="en-US" dirty="0" err="1"/>
+              <a:t>employeeId</a:t>
+            </a:r>
+            <a:endParaRPr lang="en-US" dirty="0"/>
+          </a:p>
+          <a:p>
+            <a:r>
+              <a:rPr lang="en-US" dirty="0" err="1"/>
+              <a:t>firstName</a:t>
+            </a:r>
+            <a:endParaRPr lang="en-US" dirty="0"/>
+          </a:p>
+          <a:p>
+            <a:r>
+              <a:rPr lang="en-US" dirty="0" err="1"/>
+              <a:t>lastName</a:t>
+            </a:r>
+            <a:endParaRPr lang="en-US" dirty="0"/>
+          </a:p>
+          <a:p>
+            <a:r>
+              <a:rPr lang="en-US" dirty="0"/>
+              <a:t>Salary</a:t>
+            </a:r>
+          </a:p>
+          <a:p>
+            <a:r>
+              <a:rPr lang="en-US" dirty="0"/>
+              <a:t>Address</a:t>
+            </a:r>
+          </a:p>
+          <a:p>
+            <a:r>
+              <a:rPr lang="en-US" dirty="0"/>
+              <a:t>Department</a:t>
+            </a:r>
+          </a:p>
+        </p:txBody>
+      </p:sp>
+      <p:sp>
+        <p:nvSpPr>
+          <p:cNvPr id="5" name="Rectangle 4">
+            <a:extLst>
+              <a:ext uri="{FF2B5EF4-FFF2-40B4-BE49-F238E27FC236}">
+                <a16:creationId xmlns:a16="http://schemas.microsoft.com/office/drawing/2014/main" id="{619FFF07-5942-4E2A-8CD4-C56E2D425679}"/>
+              </a:ext>
+            </a:extLst>
+          </p:cNvPr>
+          <p:cNvSpPr/>
+          <p:nvPr/>
+        </p:nvSpPr>
+        <p:spPr>
+          <a:xfrm>
+            <a:off x="2044557" y="1859622"/>
+            <a:ext cx="2537717" cy="626724"/>
+          </a:xfrm>
+          <a:prstGeom prst="rect">
+            <a:avLst/>
+          </a:prstGeom>
+        </p:spPr>
+        <p:style>
+          <a:lnRef idx="2">
+            <a:schemeClr val="accent1">
+              <a:shade val="50000"/>
+            </a:schemeClr>
+          </a:lnRef>
+          <a:fillRef idx="1">
+            <a:schemeClr val="accent1"/>
+          </a:fillRef>
+          <a:effectRef idx="0">
+            <a:schemeClr val="accent1"/>
+          </a:effectRef>
+          <a:fontRef idx="minor">
+            <a:schemeClr val="lt1"/>
+          </a:fontRef>
+        </p:style>
+        <p:txBody>
+          <a:bodyPr rtlCol="0" anchor="ctr"/>
+          <a:lstStyle/>
+          <a:p>
+            <a:pPr algn="ctr"/>
+            <a:r>
+              <a:rPr lang="en-US" dirty="0"/>
+              <a:t>Employee</a:t>
+            </a:r>
+          </a:p>
+        </p:txBody>
+      </p:sp>
+      <p:grpSp>
+        <p:nvGrpSpPr>
+          <p:cNvPr id="8" name="Group 7">
+            <a:extLst>
+              <a:ext uri="{FF2B5EF4-FFF2-40B4-BE49-F238E27FC236}">
+                <a16:creationId xmlns:a16="http://schemas.microsoft.com/office/drawing/2014/main" id="{D592A777-88D8-4DDC-A980-599F5516A357}"/>
+              </a:ext>
+            </a:extLst>
+          </p:cNvPr>
+          <p:cNvGrpSpPr/>
+          <p:nvPr/>
+        </p:nvGrpSpPr>
+        <p:grpSpPr>
+          <a:xfrm>
+            <a:off x="6423062" y="3946400"/>
+            <a:ext cx="2373331" cy="2137025"/>
+            <a:chOff x="6626831" y="1037690"/>
+            <a:chExt cx="2373331" cy="2137025"/>
+          </a:xfrm>
+        </p:grpSpPr>
+        <p:sp>
+          <p:nvSpPr>
+            <p:cNvPr id="6" name="Rectangle 5">
+              <a:extLst>
+                <a:ext uri="{FF2B5EF4-FFF2-40B4-BE49-F238E27FC236}">
+                  <a16:creationId xmlns:a16="http://schemas.microsoft.com/office/drawing/2014/main" id="{4F0A1E07-D5E3-446B-A376-485D7EE2137F}"/>
+                </a:ext>
+              </a:extLst>
+            </p:cNvPr>
+            <p:cNvSpPr/>
+            <p:nvPr/>
+          </p:nvSpPr>
+          <p:spPr>
+            <a:xfrm>
+              <a:off x="6626831" y="1037690"/>
+              <a:ext cx="2373331" cy="2137025"/>
+            </a:xfrm>
+            <a:prstGeom prst="rect">
+              <a:avLst/>
+            </a:prstGeom>
+          </p:spPr>
+          <p:style>
+            <a:lnRef idx="2">
+              <a:schemeClr val="accent1">
+                <a:shade val="50000"/>
+              </a:schemeClr>
+            </a:lnRef>
+            <a:fillRef idx="1">
+              <a:schemeClr val="accent1"/>
+            </a:fillRef>
+            <a:effectRef idx="0">
+              <a:schemeClr val="accent1"/>
+            </a:effectRef>
+            <a:fontRef idx="minor">
+              <a:schemeClr val="lt1"/>
+            </a:fontRef>
+          </p:style>
+          <p:txBody>
+            <a:bodyPr rtlCol="0" anchor="ctr"/>
+            <a:lstStyle/>
+            <a:p>
+              <a:pPr algn="ctr"/>
+              <a:r>
+                <a:rPr lang="en-US" dirty="0" err="1"/>
+                <a:t>departmentId</a:t>
+              </a:r>
+              <a:endParaRPr lang="en-US" dirty="0"/>
+            </a:p>
+            <a:p>
+              <a:pPr algn="ctr"/>
+              <a:r>
+                <a:rPr lang="en-US" dirty="0" err="1"/>
+                <a:t>departmentName</a:t>
+              </a:r>
+              <a:endParaRPr lang="en-US" dirty="0"/>
+            </a:p>
+            <a:p>
+              <a:pPr algn="ctr"/>
+              <a:r>
+                <a:rPr lang="en-US" dirty="0"/>
+                <a:t>location</a:t>
+              </a:r>
+            </a:p>
+          </p:txBody>
+        </p:sp>
+        <p:sp>
+          <p:nvSpPr>
+            <p:cNvPr id="7" name="Rectangle 6">
+              <a:extLst>
+                <a:ext uri="{FF2B5EF4-FFF2-40B4-BE49-F238E27FC236}">
+                  <a16:creationId xmlns:a16="http://schemas.microsoft.com/office/drawing/2014/main" id="{8546C7C8-7D57-4D2E-A7EE-BE68A1AE5EB1}"/>
+                </a:ext>
+              </a:extLst>
+            </p:cNvPr>
+            <p:cNvSpPr/>
+            <p:nvPr/>
+          </p:nvSpPr>
+          <p:spPr>
+            <a:xfrm>
+              <a:off x="6626831" y="1037690"/>
+              <a:ext cx="2373331" cy="652998"/>
+            </a:xfrm>
+            <a:prstGeom prst="rect">
+              <a:avLst/>
+            </a:prstGeom>
+          </p:spPr>
+          <p:style>
+            <a:lnRef idx="2">
+              <a:schemeClr val="accent1">
+                <a:shade val="50000"/>
+              </a:schemeClr>
+            </a:lnRef>
+            <a:fillRef idx="1">
+              <a:schemeClr val="accent1"/>
+            </a:fillRef>
+            <a:effectRef idx="0">
+              <a:schemeClr val="accent1"/>
+            </a:effectRef>
+            <a:fontRef idx="minor">
+              <a:schemeClr val="lt1"/>
+            </a:fontRef>
+          </p:style>
+          <p:txBody>
+            <a:bodyPr rtlCol="0" anchor="ctr"/>
+            <a:lstStyle/>
+            <a:p>
+              <a:pPr algn="ctr"/>
+              <a:r>
+                <a:rPr lang="en-US" dirty="0"/>
+                <a:t>Department</a:t>
+              </a:r>
+            </a:p>
+          </p:txBody>
+        </p:sp>
+      </p:grpSp>
+      <p:grpSp>
+        <p:nvGrpSpPr>
+          <p:cNvPr id="9" name="Group 8">
+            <a:extLst>
+              <a:ext uri="{FF2B5EF4-FFF2-40B4-BE49-F238E27FC236}">
+                <a16:creationId xmlns:a16="http://schemas.microsoft.com/office/drawing/2014/main" id="{79A1B4E0-E47F-468C-B84D-A445400D58B2}"/>
+              </a:ext>
+            </a:extLst>
+          </p:cNvPr>
+          <p:cNvGrpSpPr/>
+          <p:nvPr/>
+        </p:nvGrpSpPr>
+        <p:grpSpPr>
+          <a:xfrm>
+            <a:off x="6779231" y="1190090"/>
+            <a:ext cx="2373331" cy="2137025"/>
+            <a:chOff x="6626831" y="1037690"/>
+            <a:chExt cx="2373331" cy="2137025"/>
+          </a:xfrm>
+        </p:grpSpPr>
+        <p:sp>
+          <p:nvSpPr>
+            <p:cNvPr id="10" name="Rectangle 9">
+              <a:extLst>
+                <a:ext uri="{FF2B5EF4-FFF2-40B4-BE49-F238E27FC236}">
+                  <a16:creationId xmlns:a16="http://schemas.microsoft.com/office/drawing/2014/main" id="{E91B95C0-5C12-4F02-B6B8-250D6316BCBB}"/>
+                </a:ext>
+              </a:extLst>
+            </p:cNvPr>
+            <p:cNvSpPr/>
+            <p:nvPr/>
+          </p:nvSpPr>
+          <p:spPr>
+            <a:xfrm>
+              <a:off x="6626831" y="1037690"/>
+              <a:ext cx="2373331" cy="2137025"/>
+            </a:xfrm>
+            <a:prstGeom prst="rect">
+              <a:avLst/>
+            </a:prstGeom>
+          </p:spPr>
+          <p:style>
+            <a:lnRef idx="2">
+              <a:schemeClr val="accent1">
+                <a:shade val="50000"/>
+              </a:schemeClr>
+            </a:lnRef>
+            <a:fillRef idx="1">
+              <a:schemeClr val="accent1"/>
+            </a:fillRef>
+            <a:effectRef idx="0">
+              <a:schemeClr val="accent1"/>
+            </a:effectRef>
+            <a:fontRef idx="minor">
+              <a:schemeClr val="lt1"/>
+            </a:fontRef>
+          </p:style>
+          <p:txBody>
+            <a:bodyPr rtlCol="0" anchor="ctr"/>
+            <a:lstStyle/>
+            <a:p>
+              <a:pPr algn="ctr"/>
+              <a:r>
+                <a:rPr lang="en-US" dirty="0" err="1"/>
+                <a:t>addressId</a:t>
+              </a:r>
+              <a:endParaRPr lang="en-US" dirty="0"/>
+            </a:p>
+            <a:p>
+              <a:pPr algn="ctr"/>
+              <a:r>
+                <a:rPr lang="en-US" dirty="0" err="1"/>
+                <a:t>streetName</a:t>
+              </a:r>
+              <a:endParaRPr lang="en-US" dirty="0"/>
+            </a:p>
+            <a:p>
+              <a:pPr algn="ctr"/>
+              <a:r>
+                <a:rPr lang="en-US" dirty="0"/>
+                <a:t>city</a:t>
+              </a:r>
+            </a:p>
+          </p:txBody>
+        </p:sp>
+        <p:sp>
+          <p:nvSpPr>
+            <p:cNvPr id="11" name="Rectangle 10">
+              <a:extLst>
+                <a:ext uri="{FF2B5EF4-FFF2-40B4-BE49-F238E27FC236}">
+                  <a16:creationId xmlns:a16="http://schemas.microsoft.com/office/drawing/2014/main" id="{7AFD3345-2C6A-4A4C-AFC7-5FF559FCD158}"/>
+                </a:ext>
+              </a:extLst>
+            </p:cNvPr>
+            <p:cNvSpPr/>
+            <p:nvPr/>
+          </p:nvSpPr>
+          <p:spPr>
+            <a:xfrm>
+              <a:off x="6626831" y="1037690"/>
+              <a:ext cx="2373331" cy="652998"/>
+            </a:xfrm>
+            <a:prstGeom prst="rect">
+              <a:avLst/>
+            </a:prstGeom>
+          </p:spPr>
+          <p:style>
+            <a:lnRef idx="2">
+              <a:schemeClr val="accent1">
+                <a:shade val="50000"/>
+              </a:schemeClr>
+            </a:lnRef>
+            <a:fillRef idx="1">
+              <a:schemeClr val="accent1"/>
+            </a:fillRef>
+            <a:effectRef idx="0">
+              <a:schemeClr val="accent1"/>
+            </a:effectRef>
+            <a:fontRef idx="minor">
+              <a:schemeClr val="lt1"/>
+            </a:fontRef>
+          </p:style>
+          <p:txBody>
+            <a:bodyPr rtlCol="0" anchor="ctr"/>
+            <a:lstStyle/>
+            <a:p>
+              <a:pPr algn="ctr"/>
+              <a:r>
+                <a:rPr lang="en-US" dirty="0"/>
+                <a:t>Address</a:t>
+              </a:r>
+            </a:p>
+          </p:txBody>
+        </p:sp>
+      </p:grpSp>
+      <p:cxnSp>
+        <p:nvCxnSpPr>
+          <p:cNvPr id="13" name="Straight Arrow Connector 12">
+            <a:extLst>
+              <a:ext uri="{FF2B5EF4-FFF2-40B4-BE49-F238E27FC236}">
+                <a16:creationId xmlns:a16="http://schemas.microsoft.com/office/drawing/2014/main" id="{54206AF3-22A3-43D2-8690-DD0F5E2BF482}"/>
+              </a:ext>
+            </a:extLst>
+          </p:cNvPr>
+          <p:cNvCxnSpPr>
+            <a:endCxn id="11" idx="1"/>
+          </p:cNvCxnSpPr>
+          <p:nvPr/>
+        </p:nvCxnSpPr>
+        <p:spPr>
+          <a:xfrm flipV="1">
+            <a:off x="2958957" y="1516589"/>
+            <a:ext cx="3820274" cy="2284849"/>
+          </a:xfrm>
+          <a:prstGeom prst="straightConnector1">
+            <a:avLst/>
+          </a:prstGeom>
+          <a:ln>
+            <a:solidFill>
+              <a:schemeClr val="tx1"/>
+            </a:solidFill>
+            <a:tailEnd type="triangle"/>
+          </a:ln>
+        </p:spPr>
+        <p:style>
+          <a:lnRef idx="1">
+            <a:schemeClr val="accent1"/>
+          </a:lnRef>
+          <a:fillRef idx="0">
+            <a:schemeClr val="accent1"/>
+          </a:fillRef>
+          <a:effectRef idx="0">
+            <a:schemeClr val="accent1"/>
+          </a:effectRef>
+          <a:fontRef idx="minor">
+            <a:schemeClr val="tx1"/>
+          </a:fontRef>
+        </p:style>
+      </p:cxnSp>
+      <p:cxnSp>
+        <p:nvCxnSpPr>
+          <p:cNvPr id="15" name="Straight Arrow Connector 14">
+            <a:extLst>
+              <a:ext uri="{FF2B5EF4-FFF2-40B4-BE49-F238E27FC236}">
+                <a16:creationId xmlns:a16="http://schemas.microsoft.com/office/drawing/2014/main" id="{F3ECEF45-6381-45BE-9BBD-E0BF73FB90E8}"/>
+              </a:ext>
+            </a:extLst>
+          </p:cNvPr>
+          <p:cNvCxnSpPr/>
+          <p:nvPr/>
+        </p:nvCxnSpPr>
+        <p:spPr>
+          <a:xfrm>
+            <a:off x="3154166" y="4098800"/>
+            <a:ext cx="3411021" cy="100187"/>
+          </a:xfrm>
+          <a:prstGeom prst="straightConnector1">
+            <a:avLst/>
+          </a:prstGeom>
+          <a:ln>
+            <a:solidFill>
+              <a:schemeClr val="tx1"/>
+            </a:solidFill>
+            <a:tailEnd type="triangle"/>
+          </a:ln>
+        </p:spPr>
+        <p:style>
+          <a:lnRef idx="1">
+            <a:schemeClr val="accent1"/>
+          </a:lnRef>
+          <a:fillRef idx="0">
+            <a:schemeClr val="accent1"/>
+          </a:fillRef>
+          <a:effectRef idx="0">
+            <a:schemeClr val="accent1"/>
+          </a:effectRef>
+          <a:fontRef idx="minor">
+            <a:schemeClr val="tx1"/>
+          </a:fontRef>
+        </p:style>
+      </p:cxnSp>
+      <p:sp>
+        <p:nvSpPr>
+          <p:cNvPr id="16" name="TextBox 15">
+            <a:extLst>
+              <a:ext uri="{FF2B5EF4-FFF2-40B4-BE49-F238E27FC236}">
+                <a16:creationId xmlns:a16="http://schemas.microsoft.com/office/drawing/2014/main" id="{55FCD521-25A3-4CFF-8C9A-668E30A61ACB}"/>
+              </a:ext>
+            </a:extLst>
+          </p:cNvPr>
+          <p:cNvSpPr txBox="1"/>
+          <p:nvPr/>
+        </p:nvSpPr>
+        <p:spPr>
+          <a:xfrm rot="19821523">
+            <a:off x="4577993" y="2115301"/>
+            <a:ext cx="1603516" cy="369332"/>
+          </a:xfrm>
+          <a:prstGeom prst="rect">
+            <a:avLst/>
+          </a:prstGeom>
+          <a:noFill/>
+        </p:spPr>
+        <p:txBody>
+          <a:bodyPr wrap="none" rtlCol="0">
+            <a:spAutoFit/>
+          </a:bodyPr>
+          <a:lstStyle/>
+          <a:p>
+            <a:r>
+              <a:rPr lang="en-US" dirty="0"/>
+              <a:t>1 has m </a:t>
+            </a:r>
+            <a:r>
+              <a:rPr lang="en-US" dirty="0" err="1"/>
+              <a:t>addres</a:t>
+            </a:r>
+            <a:endParaRPr lang="en-US" dirty="0"/>
+          </a:p>
+        </p:txBody>
+      </p:sp>
+      <p:sp>
+        <p:nvSpPr>
+          <p:cNvPr id="17" name="TextBox 16">
+            <a:extLst>
+              <a:ext uri="{FF2B5EF4-FFF2-40B4-BE49-F238E27FC236}">
+                <a16:creationId xmlns:a16="http://schemas.microsoft.com/office/drawing/2014/main" id="{15AF662A-91BF-4376-AAE4-FA340975DB3F}"/>
+              </a:ext>
+            </a:extLst>
+          </p:cNvPr>
+          <p:cNvSpPr txBox="1"/>
+          <p:nvPr/>
+        </p:nvSpPr>
+        <p:spPr>
+          <a:xfrm>
+            <a:off x="4781636" y="4230066"/>
+            <a:ext cx="721031" cy="369332"/>
+          </a:xfrm>
+          <a:prstGeom prst="rect">
+            <a:avLst/>
+          </a:prstGeom>
+          <a:noFill/>
+        </p:spPr>
+        <p:txBody>
+          <a:bodyPr wrap="none" rtlCol="0">
+            <a:spAutoFit/>
+          </a:bodyPr>
+          <a:lstStyle/>
+          <a:p>
+            <a:r>
+              <a:rPr lang="en-US" dirty="0"/>
+              <a:t>1 to 1</a:t>
+            </a:r>
+          </a:p>
+        </p:txBody>
+      </p:sp>
+    </p:spTree>
+    <p:extLst>
+      <p:ext uri="{BB962C8B-B14F-4D97-AF65-F5344CB8AC3E}">
+        <p14:creationId xmlns:p14="http://schemas.microsoft.com/office/powerpoint/2010/main" val="883122427"/>
       </p:ext>
     </p:extLst>
   </p:cSld>
@@ -24775,6 +26117,114 @@
     <p:extLst>
       <p:ext uri="{BB962C8B-B14F-4D97-AF65-F5344CB8AC3E}">
         <p14:creationId xmlns:p14="http://schemas.microsoft.com/office/powerpoint/2010/main" val="1371452775"/>
+      </p:ext>
+    </p:extLst>
+  </p:cSld>
+  <p:clrMapOvr>
+    <a:masterClrMapping/>
+  </p:clrMapOvr>
+</p:sld>
+</file>
+
+<file path=ppt/slides/slide70.xml><?xml version="1.0" encoding="utf-8"?>
+<p:sld xmlns:a="http://schemas.openxmlformats.org/drawingml/2006/main" xmlns:r="http://schemas.openxmlformats.org/officeDocument/2006/relationships" xmlns:p="http://schemas.openxmlformats.org/presentationml/2006/main">
+  <p:cSld>
+    <p:spTree>
+      <p:nvGrpSpPr>
+        <p:cNvPr id="1" name=""/>
+        <p:cNvGrpSpPr/>
+        <p:nvPr/>
+      </p:nvGrpSpPr>
+      <p:grpSpPr>
+        <a:xfrm>
+          <a:off x="0" y="0"/>
+          <a:ext cx="0" cy="0"/>
+          <a:chOff x="0" y="0"/>
+          <a:chExt cx="0" cy="0"/>
+        </a:xfrm>
+      </p:grpSpPr>
+      <p:sp>
+        <p:nvSpPr>
+          <p:cNvPr id="2" name="Title 1">
+            <a:extLst>
+              <a:ext uri="{FF2B5EF4-FFF2-40B4-BE49-F238E27FC236}">
+                <a16:creationId xmlns:a16="http://schemas.microsoft.com/office/drawing/2014/main" id="{B80D7639-95B8-4E62-A451-BE4AD2BD585D}"/>
+              </a:ext>
+            </a:extLst>
+          </p:cNvPr>
+          <p:cNvSpPr>
+            <a:spLocks noGrp="1"/>
+          </p:cNvSpPr>
+          <p:nvPr>
+            <p:ph type="title"/>
+          </p:nvPr>
+        </p:nvSpPr>
+        <p:spPr/>
+        <p:txBody>
+          <a:bodyPr/>
+          <a:lstStyle/>
+          <a:p>
+            <a:r>
+              <a:rPr lang="en-US" dirty="0"/>
+              <a:t>Task</a:t>
+            </a:r>
+          </a:p>
+        </p:txBody>
+      </p:sp>
+      <p:sp>
+        <p:nvSpPr>
+          <p:cNvPr id="3" name="Content Placeholder 2">
+            <a:extLst>
+              <a:ext uri="{FF2B5EF4-FFF2-40B4-BE49-F238E27FC236}">
+                <a16:creationId xmlns:a16="http://schemas.microsoft.com/office/drawing/2014/main" id="{D0725BC7-B4B4-4EBC-B36F-9B959ADBD0B9}"/>
+              </a:ext>
+            </a:extLst>
+          </p:cNvPr>
+          <p:cNvSpPr>
+            <a:spLocks noGrp="1"/>
+          </p:cNvSpPr>
+          <p:nvPr>
+            <p:ph idx="1"/>
+          </p:nvPr>
+        </p:nvSpPr>
+        <p:spPr/>
+        <p:txBody>
+          <a:bodyPr/>
+          <a:lstStyle/>
+          <a:p>
+            <a:r>
+              <a:rPr lang="en-US" dirty="0"/>
+              <a:t>Rest </a:t>
+            </a:r>
+            <a:r>
+              <a:rPr lang="en-US" dirty="0" err="1"/>
+              <a:t>Api</a:t>
+            </a:r>
+            <a:r>
+              <a:rPr lang="en-US" dirty="0"/>
+              <a:t> implementation with ORM for Employee</a:t>
+            </a:r>
+          </a:p>
+          <a:p>
+            <a:r>
+              <a:rPr lang="en-US" dirty="0"/>
+              <a:t>Swagger </a:t>
+            </a:r>
+            <a:r>
+              <a:rPr lang="en-US" dirty="0" err="1"/>
+              <a:t>Api</a:t>
+            </a:r>
+            <a:r>
+              <a:rPr lang="en-US" dirty="0"/>
+              <a:t> Documentation</a:t>
+            </a:r>
+          </a:p>
+        </p:txBody>
+      </p:sp>
+    </p:spTree>
+    <p:extLst>
+      <p:ext uri="{BB962C8B-B14F-4D97-AF65-F5344CB8AC3E}">
+        <p14:creationId xmlns:p14="http://schemas.microsoft.com/office/powerpoint/2010/main" val="288752310"/>
       </p:ext>
     </p:extLst>
   </p:cSld>
